--- a/Sprint-1.pptx
+++ b/Sprint-1.pptx
@@ -4451,7 +4451,7 @@
                             </p:stCondLst>
                             <p:childTnLst>
                               <p:par>
-                                <p:cTn id="5" presetID="10" presetClass="entr" presetSubtype="0" fill="hold" grpId="0" nodeType="clickEffect">
+                                <p:cTn id="5" presetID="1" presetClass="entr" presetSubtype="0" fill="hold" nodeType="clickEffect">
                                   <p:stCondLst>
                                     <p:cond delay="0"/>
                                   </p:stCondLst>
@@ -4464,7 +4464,7 @@
                                           </p:stCondLst>
                                         </p:cTn>
                                         <p:tgtEl>
-                                          <p:spTgt spid="2"/>
+                                          <p:spTgt spid="5"/>
                                         </p:tgtEl>
                                         <p:attrNameLst>
                                           <p:attrName>style.visibility</p:attrName>
@@ -4474,14 +4474,6 @@
                                         <p:strVal val="visible"/>
                                       </p:to>
                                     </p:set>
-                                    <p:animEffect transition="in" filter="fade">
-                                      <p:cBhvr>
-                                        <p:cTn id="7" dur="500"/>
-                                        <p:tgtEl>
-                                          <p:spTgt spid="2"/>
-                                        </p:tgtEl>
-                                      </p:cBhvr>
-                                    </p:animEffect>
                                   </p:childTnLst>
                                 </p:cTn>
                               </p:par>
@@ -4492,26 +4484,26 @@
                     </p:cTn>
                   </p:par>
                   <p:par>
-                    <p:cTn id="8" fill="hold">
+                    <p:cTn id="7" fill="hold">
                       <p:stCondLst>
                         <p:cond delay="indefinite"/>
                       </p:stCondLst>
                       <p:childTnLst>
                         <p:par>
-                          <p:cTn id="9" fill="hold">
+                          <p:cTn id="8" fill="hold">
                             <p:stCondLst>
                               <p:cond delay="0"/>
                             </p:stCondLst>
                             <p:childTnLst>
                               <p:par>
-                                <p:cTn id="10" presetID="10" presetClass="entr" presetSubtype="0" fill="hold" nodeType="clickEffect">
+                                <p:cTn id="9" presetID="10" presetClass="entr" presetSubtype="0" fill="hold" nodeType="clickEffect">
                                   <p:stCondLst>
                                     <p:cond delay="500"/>
                                   </p:stCondLst>
                                   <p:childTnLst>
                                     <p:set>
                                       <p:cBhvr>
-                                        <p:cTn id="11" dur="1" fill="hold">
+                                        <p:cTn id="10" dur="1" fill="hold">
                                           <p:stCondLst>
                                             <p:cond delay="0"/>
                                           </p:stCondLst>
@@ -4533,7 +4525,7 @@
                                     </p:set>
                                     <p:animEffect transition="in" filter="fade">
                                       <p:cBhvr>
-                                        <p:cTn id="12" dur="500"/>
+                                        <p:cTn id="11" dur="500"/>
                                         <p:tgtEl>
                                           <p:spTgt spid="3">
                                             <p:txEl>
@@ -4553,26 +4545,26 @@
                     </p:cTn>
                   </p:par>
                   <p:par>
-                    <p:cTn id="13" fill="hold">
+                    <p:cTn id="12" fill="hold">
                       <p:stCondLst>
                         <p:cond delay="indefinite"/>
                       </p:stCondLst>
                       <p:childTnLst>
                         <p:par>
-                          <p:cTn id="14" fill="hold">
+                          <p:cTn id="13" fill="hold">
                             <p:stCondLst>
                               <p:cond delay="0"/>
                             </p:stCondLst>
                             <p:childTnLst>
                               <p:par>
-                                <p:cTn id="15" presetID="10" presetClass="entr" presetSubtype="0" fill="hold" nodeType="clickEffect">
+                                <p:cTn id="14" presetID="10" presetClass="entr" presetSubtype="0" fill="hold" nodeType="clickEffect">
                                   <p:stCondLst>
                                     <p:cond delay="1000"/>
                                   </p:stCondLst>
                                   <p:childTnLst>
                                     <p:set>
                                       <p:cBhvr>
-                                        <p:cTn id="16" dur="1" fill="hold">
+                                        <p:cTn id="15" dur="1" fill="hold">
                                           <p:stCondLst>
                                             <p:cond delay="0"/>
                                           </p:stCondLst>
@@ -4594,7 +4586,7 @@
                                     </p:set>
                                     <p:animEffect transition="in" filter="fade">
                                       <p:cBhvr>
-                                        <p:cTn id="17" dur="500"/>
+                                        <p:cTn id="16" dur="500"/>
                                         <p:tgtEl>
                                           <p:spTgt spid="3">
                                             <p:txEl>
@@ -4614,26 +4606,26 @@
                     </p:cTn>
                   </p:par>
                   <p:par>
-                    <p:cTn id="18" fill="hold">
+                    <p:cTn id="17" fill="hold">
                       <p:stCondLst>
                         <p:cond delay="indefinite"/>
                       </p:stCondLst>
                       <p:childTnLst>
                         <p:par>
-                          <p:cTn id="19" fill="hold">
+                          <p:cTn id="18" fill="hold">
                             <p:stCondLst>
                               <p:cond delay="0"/>
                             </p:stCondLst>
                             <p:childTnLst>
                               <p:par>
-                                <p:cTn id="20" presetID="10" presetClass="entr" presetSubtype="0" fill="hold" nodeType="clickEffect">
+                                <p:cTn id="19" presetID="10" presetClass="entr" presetSubtype="0" fill="hold" nodeType="clickEffect">
                                   <p:stCondLst>
                                     <p:cond delay="1500"/>
                                   </p:stCondLst>
                                   <p:childTnLst>
                                     <p:set>
                                       <p:cBhvr>
-                                        <p:cTn id="21" dur="1" fill="hold">
+                                        <p:cTn id="20" dur="1" fill="hold">
                                           <p:stCondLst>
                                             <p:cond delay="0"/>
                                           </p:stCondLst>
@@ -4655,7 +4647,7 @@
                                     </p:set>
                                     <p:animEffect transition="in" filter="fade">
                                       <p:cBhvr>
-                                        <p:cTn id="22" dur="500"/>
+                                        <p:cTn id="21" dur="500"/>
                                         <p:tgtEl>
                                           <p:spTgt spid="3">
                                             <p:txEl>
@@ -4695,9 +4687,6 @@
         </p:cTn>
       </p:par>
     </p:tnLst>
-    <p:bldLst>
-      <p:bldP spid="2" grpId="0"/>
-    </p:bldLst>
   </p:timing>
 </p:sld>
 </file>
@@ -5098,7 +5087,7 @@
                             </p:stCondLst>
                             <p:childTnLst>
                               <p:par>
-                                <p:cTn id="5" presetID="10" presetClass="entr" presetSubtype="0" fill="hold" grpId="0" nodeType="clickEffect">
+                                <p:cTn id="5" presetID="1" presetClass="entr" presetSubtype="0" fill="hold" nodeType="clickEffect">
                                   <p:stCondLst>
                                     <p:cond delay="0"/>
                                   </p:stCondLst>
@@ -5111,7 +5100,7 @@
                                           </p:stCondLst>
                                         </p:cTn>
                                         <p:tgtEl>
-                                          <p:spTgt spid="2"/>
+                                          <p:spTgt spid="5"/>
                                         </p:tgtEl>
                                         <p:attrNameLst>
                                           <p:attrName>style.visibility</p:attrName>
@@ -5121,14 +5110,33 @@
                                         <p:strVal val="visible"/>
                                       </p:to>
                                     </p:set>
-                                    <p:animEffect transition="in" filter="fade">
+                                  </p:childTnLst>
+                                </p:cTn>
+                              </p:par>
+                              <p:par>
+                                <p:cTn id="7" presetID="1" presetClass="entr" presetSubtype="0" fill="hold" grpId="0" nodeType="withEffect">
+                                  <p:stCondLst>
+                                    <p:cond delay="0"/>
+                                  </p:stCondLst>
+                                  <p:childTnLst>
+                                    <p:set>
                                       <p:cBhvr>
-                                        <p:cTn id="7" dur="500"/>
+                                        <p:cTn id="8" dur="1" fill="hold">
+                                          <p:stCondLst>
+                                            <p:cond delay="0"/>
+                                          </p:stCondLst>
+                                        </p:cTn>
                                         <p:tgtEl>
-                                          <p:spTgt spid="2"/>
+                                          <p:spTgt spid="6"/>
                                         </p:tgtEl>
+                                        <p:attrNameLst>
+                                          <p:attrName>style.visibility</p:attrName>
+                                        </p:attrNameLst>
                                       </p:cBhvr>
-                                    </p:animEffect>
+                                      <p:to>
+                                        <p:strVal val="visible"/>
+                                      </p:to>
+                                    </p:set>
                                   </p:childTnLst>
                                 </p:cTn>
                               </p:par>
@@ -5139,26 +5147,26 @@
                     </p:cTn>
                   </p:par>
                   <p:par>
-                    <p:cTn id="8" fill="hold">
+                    <p:cTn id="9" fill="hold">
                       <p:stCondLst>
                         <p:cond delay="indefinite"/>
                       </p:stCondLst>
                       <p:childTnLst>
                         <p:par>
-                          <p:cTn id="9" fill="hold">
+                          <p:cTn id="10" fill="hold">
                             <p:stCondLst>
                               <p:cond delay="0"/>
                             </p:stCondLst>
                             <p:childTnLst>
                               <p:par>
-                                <p:cTn id="10" presetID="10" presetClass="entr" presetSubtype="0" fill="hold" nodeType="clickEffect">
+                                <p:cTn id="11" presetID="10" presetClass="entr" presetSubtype="0" fill="hold" nodeType="clickEffect">
                                   <p:stCondLst>
                                     <p:cond delay="1500"/>
                                   </p:stCondLst>
                                   <p:childTnLst>
                                     <p:set>
                                       <p:cBhvr>
-                                        <p:cTn id="11" dur="1" fill="hold">
+                                        <p:cTn id="12" dur="1" fill="hold">
                                           <p:stCondLst>
                                             <p:cond delay="0"/>
                                           </p:stCondLst>
@@ -5180,7 +5188,7 @@
                                     </p:set>
                                     <p:animEffect transition="in" filter="fade">
                                       <p:cBhvr>
-                                        <p:cTn id="12" dur="500"/>
+                                        <p:cTn id="13" dur="500"/>
                                         <p:tgtEl>
                                           <p:spTgt spid="3">
                                             <p:txEl>
@@ -5193,15 +5201,33 @@
                                   </p:childTnLst>
                                 </p:cTn>
                               </p:par>
+                            </p:childTnLst>
+                          </p:cTn>
+                        </p:par>
+                      </p:childTnLst>
+                    </p:cTn>
+                  </p:par>
+                  <p:par>
+                    <p:cTn id="14" fill="hold">
+                      <p:stCondLst>
+                        <p:cond delay="indefinite"/>
+                      </p:stCondLst>
+                      <p:childTnLst>
+                        <p:par>
+                          <p:cTn id="15" fill="hold">
+                            <p:stCondLst>
+                              <p:cond delay="0"/>
+                            </p:stCondLst>
+                            <p:childTnLst>
                               <p:par>
-                                <p:cTn id="13" presetID="10" presetClass="entr" presetSubtype="0" fill="hold" nodeType="withEffect">
+                                <p:cTn id="16" presetID="1" presetClass="entr" presetSubtype="0" fill="hold" nodeType="clickEffect">
                                   <p:stCondLst>
-                                    <p:cond delay="1500"/>
+                                    <p:cond delay="0"/>
                                   </p:stCondLst>
                                   <p:childTnLst>
                                     <p:set>
                                       <p:cBhvr>
-                                        <p:cTn id="14" dur="1" fill="hold">
+                                        <p:cTn id="17" dur="1" fill="hold">
                                           <p:stCondLst>
                                             <p:cond delay="0"/>
                                           </p:stCondLst>
@@ -5221,18 +5247,6 @@
                                         <p:strVal val="visible"/>
                                       </p:to>
                                     </p:set>
-                                    <p:animEffect transition="in" filter="fade">
-                                      <p:cBhvr>
-                                        <p:cTn id="15" dur="500"/>
-                                        <p:tgtEl>
-                                          <p:spTgt spid="3">
-                                            <p:txEl>
-                                              <p:pRg st="1" end="1"/>
-                                            </p:txEl>
-                                          </p:spTgt>
-                                        </p:tgtEl>
-                                      </p:cBhvr>
-                                    </p:animEffect>
                                   </p:childTnLst>
                                 </p:cTn>
                               </p:par>
@@ -5264,7 +5278,7 @@
       </p:par>
     </p:tnLst>
     <p:bldLst>
-      <p:bldP spid="2" grpId="0"/>
+      <p:bldP spid="6" grpId="0"/>
     </p:bldLst>
   </p:timing>
 </p:sld>
@@ -5544,9 +5558,9 @@
                             </p:stCondLst>
                             <p:childTnLst>
                               <p:par>
-                                <p:cTn id="5" presetID="10" presetClass="entr" presetSubtype="0" fill="hold" grpId="0" nodeType="clickEffect">
+                                <p:cTn id="5" presetID="10" presetClass="entr" presetSubtype="0" fill="hold" nodeType="clickEffect">
                                   <p:stCondLst>
-                                    <p:cond delay="0"/>
+                                    <p:cond delay="1000"/>
                                   </p:stCondLst>
                                   <p:childTnLst>
                                     <p:set>
@@ -5557,7 +5571,11 @@
                                           </p:stCondLst>
                                         </p:cTn>
                                         <p:tgtEl>
-                                          <p:spTgt spid="2"/>
+                                          <p:spTgt spid="3">
+                                            <p:txEl>
+                                              <p:pRg st="0" end="0"/>
+                                            </p:txEl>
+                                          </p:spTgt>
                                         </p:tgtEl>
                                         <p:attrNameLst>
                                           <p:attrName>style.visibility</p:attrName>
@@ -5571,7 +5589,11 @@
                                       <p:cBhvr>
                                         <p:cTn id="7" dur="500"/>
                                         <p:tgtEl>
-                                          <p:spTgt spid="2"/>
+                                          <p:spTgt spid="3">
+                                            <p:txEl>
+                                              <p:pRg st="0" end="0"/>
+                                            </p:txEl>
+                                          </p:spTgt>
                                         </p:tgtEl>
                                       </p:cBhvr>
                                     </p:animEffect>
@@ -5597,57 +5619,14 @@
                             </p:stCondLst>
                             <p:childTnLst>
                               <p:par>
-                                <p:cTn id="10" presetID="10" presetClass="entr" presetSubtype="0" fill="hold" nodeType="clickEffect">
+                                <p:cTn id="10" presetID="1" presetClass="entr" presetSubtype="0" fill="hold" nodeType="clickEffect">
                                   <p:stCondLst>
-                                    <p:cond delay="1000"/>
+                                    <p:cond delay="0"/>
                                   </p:stCondLst>
                                   <p:childTnLst>
                                     <p:set>
                                       <p:cBhvr>
                                         <p:cTn id="11" dur="1" fill="hold">
-                                          <p:stCondLst>
-                                            <p:cond delay="0"/>
-                                          </p:stCondLst>
-                                        </p:cTn>
-                                        <p:tgtEl>
-                                          <p:spTgt spid="3">
-                                            <p:txEl>
-                                              <p:pRg st="0" end="0"/>
-                                            </p:txEl>
-                                          </p:spTgt>
-                                        </p:tgtEl>
-                                        <p:attrNameLst>
-                                          <p:attrName>style.visibility</p:attrName>
-                                        </p:attrNameLst>
-                                      </p:cBhvr>
-                                      <p:to>
-                                        <p:strVal val="visible"/>
-                                      </p:to>
-                                    </p:set>
-                                    <p:animEffect transition="in" filter="fade">
-                                      <p:cBhvr>
-                                        <p:cTn id="12" dur="500"/>
-                                        <p:tgtEl>
-                                          <p:spTgt spid="3">
-                                            <p:txEl>
-                                              <p:pRg st="0" end="0"/>
-                                            </p:txEl>
-                                          </p:spTgt>
-                                        </p:tgtEl>
-                                      </p:cBhvr>
-                                    </p:animEffect>
-                                  </p:childTnLst>
-                                </p:cTn>
-                              </p:par>
-                              <p:par>
-                                <p:cTn id="13" presetID="10" presetClass="entr" presetSubtype="0" fill="hold" nodeType="withEffect">
-                                  <p:stCondLst>
-                                    <p:cond delay="1000"/>
-                                  </p:stCondLst>
-                                  <p:childTnLst>
-                                    <p:set>
-                                      <p:cBhvr>
-                                        <p:cTn id="14" dur="1" fill="hold">
                                           <p:stCondLst>
                                             <p:cond delay="0"/>
                                           </p:stCondLst>
@@ -5667,30 +5646,36 @@
                                         <p:strVal val="visible"/>
                                       </p:to>
                                     </p:set>
-                                    <p:animEffect transition="in" filter="fade">
-                                      <p:cBhvr>
-                                        <p:cTn id="15" dur="500"/>
-                                        <p:tgtEl>
-                                          <p:spTgt spid="3">
-                                            <p:txEl>
-                                              <p:pRg st="2" end="2"/>
-                                            </p:txEl>
-                                          </p:spTgt>
-                                        </p:tgtEl>
-                                      </p:cBhvr>
-                                    </p:animEffect>
                                   </p:childTnLst>
                                 </p:cTn>
                               </p:par>
+                            </p:childTnLst>
+                          </p:cTn>
+                        </p:par>
+                      </p:childTnLst>
+                    </p:cTn>
+                  </p:par>
+                  <p:par>
+                    <p:cTn id="12" fill="hold">
+                      <p:stCondLst>
+                        <p:cond delay="indefinite"/>
+                      </p:stCondLst>
+                      <p:childTnLst>
+                        <p:par>
+                          <p:cTn id="13" fill="hold">
+                            <p:stCondLst>
+                              <p:cond delay="0"/>
+                            </p:stCondLst>
+                            <p:childTnLst>
                               <p:par>
-                                <p:cTn id="16" presetID="10" presetClass="entr" presetSubtype="0" fill="hold" nodeType="withEffect">
+                                <p:cTn id="14" presetID="1" presetClass="entr" presetSubtype="0" fill="hold" nodeType="clickEffect">
                                   <p:stCondLst>
-                                    <p:cond delay="1000"/>
+                                    <p:cond delay="0"/>
                                   </p:stCondLst>
                                   <p:childTnLst>
                                     <p:set>
                                       <p:cBhvr>
-                                        <p:cTn id="17" dur="1" fill="hold">
+                                        <p:cTn id="15" dur="1" fill="hold">
                                           <p:stCondLst>
                                             <p:cond delay="0"/>
                                           </p:stCondLst>
@@ -5710,30 +5695,18 @@
                                         <p:strVal val="visible"/>
                                       </p:to>
                                     </p:set>
-                                    <p:animEffect transition="in" filter="fade">
-                                      <p:cBhvr>
-                                        <p:cTn id="18" dur="500"/>
-                                        <p:tgtEl>
-                                          <p:spTgt spid="3">
-                                            <p:txEl>
-                                              <p:pRg st="4" end="4"/>
-                                            </p:txEl>
-                                          </p:spTgt>
-                                        </p:tgtEl>
-                                      </p:cBhvr>
-                                    </p:animEffect>
                                   </p:childTnLst>
                                 </p:cTn>
                               </p:par>
                               <p:par>
-                                <p:cTn id="19" presetID="10" presetClass="entr" presetSubtype="0" fill="hold" nodeType="withEffect">
+                                <p:cTn id="16" presetID="1" presetClass="entr" presetSubtype="0" fill="hold" nodeType="withEffect">
                                   <p:stCondLst>
-                                    <p:cond delay="1000"/>
+                                    <p:cond delay="0"/>
                                   </p:stCondLst>
                                   <p:childTnLst>
                                     <p:set>
                                       <p:cBhvr>
-                                        <p:cTn id="20" dur="1" fill="hold">
+                                        <p:cTn id="17" dur="1" fill="hold">
                                           <p:stCondLst>
                                             <p:cond delay="0"/>
                                           </p:stCondLst>
@@ -5753,30 +5726,36 @@
                                         <p:strVal val="visible"/>
                                       </p:to>
                                     </p:set>
-                                    <p:animEffect transition="in" filter="fade">
-                                      <p:cBhvr>
-                                        <p:cTn id="21" dur="500"/>
-                                        <p:tgtEl>
-                                          <p:spTgt spid="3">
-                                            <p:txEl>
-                                              <p:pRg st="5" end="5"/>
-                                            </p:txEl>
-                                          </p:spTgt>
-                                        </p:tgtEl>
-                                      </p:cBhvr>
-                                    </p:animEffect>
                                   </p:childTnLst>
                                 </p:cTn>
                               </p:par>
+                            </p:childTnLst>
+                          </p:cTn>
+                        </p:par>
+                      </p:childTnLst>
+                    </p:cTn>
+                  </p:par>
+                  <p:par>
+                    <p:cTn id="18" fill="hold">
+                      <p:stCondLst>
+                        <p:cond delay="indefinite"/>
+                      </p:stCondLst>
+                      <p:childTnLst>
+                        <p:par>
+                          <p:cTn id="19" fill="hold">
+                            <p:stCondLst>
+                              <p:cond delay="0"/>
+                            </p:stCondLst>
+                            <p:childTnLst>
                               <p:par>
-                                <p:cTn id="22" presetID="10" presetClass="entr" presetSubtype="0" fill="hold" nodeType="withEffect">
+                                <p:cTn id="20" presetID="1" presetClass="entr" presetSubtype="0" fill="hold" nodeType="clickEffect">
                                   <p:stCondLst>
-                                    <p:cond delay="1000"/>
+                                    <p:cond delay="0"/>
                                   </p:stCondLst>
                                   <p:childTnLst>
                                     <p:set>
                                       <p:cBhvr>
-                                        <p:cTn id="23" dur="1" fill="hold">
+                                        <p:cTn id="21" dur="1" fill="hold">
                                           <p:stCondLst>
                                             <p:cond delay="0"/>
                                           </p:stCondLst>
@@ -5796,18 +5775,6 @@
                                         <p:strVal val="visible"/>
                                       </p:to>
                                     </p:set>
-                                    <p:animEffect transition="in" filter="fade">
-                                      <p:cBhvr>
-                                        <p:cTn id="24" dur="500"/>
-                                        <p:tgtEl>
-                                          <p:spTgt spid="3">
-                                            <p:txEl>
-                                              <p:pRg st="7" end="7"/>
-                                            </p:txEl>
-                                          </p:spTgt>
-                                        </p:tgtEl>
-                                      </p:cBhvr>
-                                    </p:animEffect>
                                   </p:childTnLst>
                                 </p:cTn>
                               </p:par>
@@ -5838,9 +5805,6 @@
         </p:cTn>
       </p:par>
     </p:tnLst>
-    <p:bldLst>
-      <p:bldP spid="2" grpId="0"/>
-    </p:bldLst>
   </p:timing>
 </p:sld>
 </file>
@@ -15892,6 +15856,618 @@
                       </p:childTnLst>
                     </p:cTn>
                   </p:par>
+                  <p:par>
+                    <p:cTn id="8" fill="hold">
+                      <p:stCondLst>
+                        <p:cond delay="indefinite"/>
+                      </p:stCondLst>
+                      <p:childTnLst>
+                        <p:par>
+                          <p:cTn id="9" fill="hold">
+                            <p:stCondLst>
+                              <p:cond delay="0"/>
+                            </p:stCondLst>
+                            <p:childTnLst>
+                              <p:par>
+                                <p:cTn id="10" presetID="1" presetClass="entr" presetSubtype="0" fill="hold" grpId="0" nodeType="clickEffect">
+                                  <p:stCondLst>
+                                    <p:cond delay="0"/>
+                                  </p:stCondLst>
+                                  <p:childTnLst>
+                                    <p:set>
+                                      <p:cBhvr>
+                                        <p:cTn id="11" dur="1" fill="hold">
+                                          <p:stCondLst>
+                                            <p:cond delay="0"/>
+                                          </p:stCondLst>
+                                        </p:cTn>
+                                        <p:tgtEl>
+                                          <p:spTgt spid="3"/>
+                                        </p:tgtEl>
+                                        <p:attrNameLst>
+                                          <p:attrName>style.visibility</p:attrName>
+                                        </p:attrNameLst>
+                                      </p:cBhvr>
+                                      <p:to>
+                                        <p:strVal val="visible"/>
+                                      </p:to>
+                                    </p:set>
+                                  </p:childTnLst>
+                                </p:cTn>
+                              </p:par>
+                              <p:par>
+                                <p:cTn id="12" presetID="1" presetClass="entr" presetSubtype="0" fill="hold" grpId="0" nodeType="withEffect">
+                                  <p:stCondLst>
+                                    <p:cond delay="0"/>
+                                  </p:stCondLst>
+                                  <p:childTnLst>
+                                    <p:set>
+                                      <p:cBhvr>
+                                        <p:cTn id="13" dur="1" fill="hold">
+                                          <p:stCondLst>
+                                            <p:cond delay="0"/>
+                                          </p:stCondLst>
+                                        </p:cTn>
+                                        <p:tgtEl>
+                                          <p:spTgt spid="4"/>
+                                        </p:tgtEl>
+                                        <p:attrNameLst>
+                                          <p:attrName>style.visibility</p:attrName>
+                                        </p:attrNameLst>
+                                      </p:cBhvr>
+                                      <p:to>
+                                        <p:strVal val="visible"/>
+                                      </p:to>
+                                    </p:set>
+                                  </p:childTnLst>
+                                </p:cTn>
+                              </p:par>
+                              <p:par>
+                                <p:cTn id="14" presetID="1" presetClass="entr" presetSubtype="0" fill="hold" grpId="0" nodeType="withEffect">
+                                  <p:stCondLst>
+                                    <p:cond delay="0"/>
+                                  </p:stCondLst>
+                                  <p:childTnLst>
+                                    <p:set>
+                                      <p:cBhvr>
+                                        <p:cTn id="15" dur="1" fill="hold">
+                                          <p:stCondLst>
+                                            <p:cond delay="0"/>
+                                          </p:stCondLst>
+                                        </p:cTn>
+                                        <p:tgtEl>
+                                          <p:spTgt spid="5"/>
+                                        </p:tgtEl>
+                                        <p:attrNameLst>
+                                          <p:attrName>style.visibility</p:attrName>
+                                        </p:attrNameLst>
+                                      </p:cBhvr>
+                                      <p:to>
+                                        <p:strVal val="visible"/>
+                                      </p:to>
+                                    </p:set>
+                                  </p:childTnLst>
+                                </p:cTn>
+                              </p:par>
+                              <p:par>
+                                <p:cTn id="16" presetID="1" presetClass="entr" presetSubtype="0" fill="hold" nodeType="withEffect">
+                                  <p:stCondLst>
+                                    <p:cond delay="0"/>
+                                  </p:stCondLst>
+                                  <p:childTnLst>
+                                    <p:set>
+                                      <p:cBhvr>
+                                        <p:cTn id="17" dur="1" fill="hold">
+                                          <p:stCondLst>
+                                            <p:cond delay="0"/>
+                                          </p:stCondLst>
+                                        </p:cTn>
+                                        <p:tgtEl>
+                                          <p:spTgt spid="6"/>
+                                        </p:tgtEl>
+                                        <p:attrNameLst>
+                                          <p:attrName>style.visibility</p:attrName>
+                                        </p:attrNameLst>
+                                      </p:cBhvr>
+                                      <p:to>
+                                        <p:strVal val="visible"/>
+                                      </p:to>
+                                    </p:set>
+                                  </p:childTnLst>
+                                </p:cTn>
+                              </p:par>
+                              <p:par>
+                                <p:cTn id="18" presetID="1" presetClass="entr" presetSubtype="0" fill="hold" nodeType="withEffect">
+                                  <p:stCondLst>
+                                    <p:cond delay="0"/>
+                                  </p:stCondLst>
+                                  <p:childTnLst>
+                                    <p:set>
+                                      <p:cBhvr>
+                                        <p:cTn id="19" dur="1" fill="hold">
+                                          <p:stCondLst>
+                                            <p:cond delay="0"/>
+                                          </p:stCondLst>
+                                        </p:cTn>
+                                        <p:tgtEl>
+                                          <p:spTgt spid="10"/>
+                                        </p:tgtEl>
+                                        <p:attrNameLst>
+                                          <p:attrName>style.visibility</p:attrName>
+                                        </p:attrNameLst>
+                                      </p:cBhvr>
+                                      <p:to>
+                                        <p:strVal val="visible"/>
+                                      </p:to>
+                                    </p:set>
+                                  </p:childTnLst>
+                                </p:cTn>
+                              </p:par>
+                              <p:par>
+                                <p:cTn id="20" presetID="1" presetClass="entr" presetSubtype="0" fill="hold" grpId="0" nodeType="withEffect">
+                                  <p:stCondLst>
+                                    <p:cond delay="0"/>
+                                  </p:stCondLst>
+                                  <p:childTnLst>
+                                    <p:set>
+                                      <p:cBhvr>
+                                        <p:cTn id="21" dur="1" fill="hold">
+                                          <p:stCondLst>
+                                            <p:cond delay="0"/>
+                                          </p:stCondLst>
+                                        </p:cTn>
+                                        <p:tgtEl>
+                                          <p:spTgt spid="14"/>
+                                        </p:tgtEl>
+                                        <p:attrNameLst>
+                                          <p:attrName>style.visibility</p:attrName>
+                                        </p:attrNameLst>
+                                      </p:cBhvr>
+                                      <p:to>
+                                        <p:strVal val="visible"/>
+                                      </p:to>
+                                    </p:set>
+                                  </p:childTnLst>
+                                </p:cTn>
+                              </p:par>
+                              <p:par>
+                                <p:cTn id="22" presetID="1" presetClass="entr" presetSubtype="0" fill="hold" nodeType="withEffect">
+                                  <p:stCondLst>
+                                    <p:cond delay="0"/>
+                                  </p:stCondLst>
+                                  <p:childTnLst>
+                                    <p:set>
+                                      <p:cBhvr>
+                                        <p:cTn id="23" dur="1" fill="hold">
+                                          <p:stCondLst>
+                                            <p:cond delay="0"/>
+                                          </p:stCondLst>
+                                        </p:cTn>
+                                        <p:tgtEl>
+                                          <p:spTgt spid="15"/>
+                                        </p:tgtEl>
+                                        <p:attrNameLst>
+                                          <p:attrName>style.visibility</p:attrName>
+                                        </p:attrNameLst>
+                                      </p:cBhvr>
+                                      <p:to>
+                                        <p:strVal val="visible"/>
+                                      </p:to>
+                                    </p:set>
+                                  </p:childTnLst>
+                                </p:cTn>
+                              </p:par>
+                              <p:par>
+                                <p:cTn id="24" presetID="1" presetClass="entr" presetSubtype="0" fill="hold" nodeType="withEffect">
+                                  <p:stCondLst>
+                                    <p:cond delay="0"/>
+                                  </p:stCondLst>
+                                  <p:childTnLst>
+                                    <p:set>
+                                      <p:cBhvr>
+                                        <p:cTn id="25" dur="1" fill="hold">
+                                          <p:stCondLst>
+                                            <p:cond delay="0"/>
+                                          </p:stCondLst>
+                                        </p:cTn>
+                                        <p:tgtEl>
+                                          <p:spTgt spid="16"/>
+                                        </p:tgtEl>
+                                        <p:attrNameLst>
+                                          <p:attrName>style.visibility</p:attrName>
+                                        </p:attrNameLst>
+                                      </p:cBhvr>
+                                      <p:to>
+                                        <p:strVal val="visible"/>
+                                      </p:to>
+                                    </p:set>
+                                  </p:childTnLst>
+                                </p:cTn>
+                              </p:par>
+                              <p:par>
+                                <p:cTn id="26" presetID="1" presetClass="entr" presetSubtype="0" fill="hold" nodeType="withEffect">
+                                  <p:stCondLst>
+                                    <p:cond delay="0"/>
+                                  </p:stCondLst>
+                                  <p:childTnLst>
+                                    <p:set>
+                                      <p:cBhvr>
+                                        <p:cTn id="27" dur="1" fill="hold">
+                                          <p:stCondLst>
+                                            <p:cond delay="0"/>
+                                          </p:stCondLst>
+                                        </p:cTn>
+                                        <p:tgtEl>
+                                          <p:spTgt spid="17"/>
+                                        </p:tgtEl>
+                                        <p:attrNameLst>
+                                          <p:attrName>style.visibility</p:attrName>
+                                        </p:attrNameLst>
+                                      </p:cBhvr>
+                                      <p:to>
+                                        <p:strVal val="visible"/>
+                                      </p:to>
+                                    </p:set>
+                                  </p:childTnLst>
+                                </p:cTn>
+                              </p:par>
+                              <p:par>
+                                <p:cTn id="28" presetID="1" presetClass="entr" presetSubtype="0" fill="hold" grpId="0" nodeType="withEffect">
+                                  <p:stCondLst>
+                                    <p:cond delay="0"/>
+                                  </p:stCondLst>
+                                  <p:childTnLst>
+                                    <p:set>
+                                      <p:cBhvr>
+                                        <p:cTn id="29" dur="1" fill="hold">
+                                          <p:stCondLst>
+                                            <p:cond delay="0"/>
+                                          </p:stCondLst>
+                                        </p:cTn>
+                                        <p:tgtEl>
+                                          <p:spTgt spid="18"/>
+                                        </p:tgtEl>
+                                        <p:attrNameLst>
+                                          <p:attrName>style.visibility</p:attrName>
+                                        </p:attrNameLst>
+                                      </p:cBhvr>
+                                      <p:to>
+                                        <p:strVal val="visible"/>
+                                      </p:to>
+                                    </p:set>
+                                  </p:childTnLst>
+                                </p:cTn>
+                              </p:par>
+                              <p:par>
+                                <p:cTn id="30" presetID="1" presetClass="entr" presetSubtype="0" fill="hold" grpId="0" nodeType="withEffect">
+                                  <p:stCondLst>
+                                    <p:cond delay="0"/>
+                                  </p:stCondLst>
+                                  <p:childTnLst>
+                                    <p:set>
+                                      <p:cBhvr>
+                                        <p:cTn id="31" dur="1" fill="hold">
+                                          <p:stCondLst>
+                                            <p:cond delay="0"/>
+                                          </p:stCondLst>
+                                        </p:cTn>
+                                        <p:tgtEl>
+                                          <p:spTgt spid="19"/>
+                                        </p:tgtEl>
+                                        <p:attrNameLst>
+                                          <p:attrName>style.visibility</p:attrName>
+                                        </p:attrNameLst>
+                                      </p:cBhvr>
+                                      <p:to>
+                                        <p:strVal val="visible"/>
+                                      </p:to>
+                                    </p:set>
+                                  </p:childTnLst>
+                                </p:cTn>
+                              </p:par>
+                              <p:par>
+                                <p:cTn id="32" presetID="1" presetClass="entr" presetSubtype="0" fill="hold" grpId="0" nodeType="withEffect">
+                                  <p:stCondLst>
+                                    <p:cond delay="0"/>
+                                  </p:stCondLst>
+                                  <p:childTnLst>
+                                    <p:set>
+                                      <p:cBhvr>
+                                        <p:cTn id="33" dur="1" fill="hold">
+                                          <p:stCondLst>
+                                            <p:cond delay="0"/>
+                                          </p:stCondLst>
+                                        </p:cTn>
+                                        <p:tgtEl>
+                                          <p:spTgt spid="20"/>
+                                        </p:tgtEl>
+                                        <p:attrNameLst>
+                                          <p:attrName>style.visibility</p:attrName>
+                                        </p:attrNameLst>
+                                      </p:cBhvr>
+                                      <p:to>
+                                        <p:strVal val="visible"/>
+                                      </p:to>
+                                    </p:set>
+                                  </p:childTnLst>
+                                </p:cTn>
+                              </p:par>
+                              <p:par>
+                                <p:cTn id="34" presetID="1" presetClass="entr" presetSubtype="0" fill="hold" grpId="0" nodeType="withEffect">
+                                  <p:stCondLst>
+                                    <p:cond delay="0"/>
+                                  </p:stCondLst>
+                                  <p:childTnLst>
+                                    <p:set>
+                                      <p:cBhvr>
+                                        <p:cTn id="35" dur="1" fill="hold">
+                                          <p:stCondLst>
+                                            <p:cond delay="0"/>
+                                          </p:stCondLst>
+                                        </p:cTn>
+                                        <p:tgtEl>
+                                          <p:spTgt spid="21"/>
+                                        </p:tgtEl>
+                                        <p:attrNameLst>
+                                          <p:attrName>style.visibility</p:attrName>
+                                        </p:attrNameLst>
+                                      </p:cBhvr>
+                                      <p:to>
+                                        <p:strVal val="visible"/>
+                                      </p:to>
+                                    </p:set>
+                                  </p:childTnLst>
+                                </p:cTn>
+                              </p:par>
+                              <p:par>
+                                <p:cTn id="36" presetID="1" presetClass="entr" presetSubtype="0" fill="hold" grpId="0" nodeType="withEffect">
+                                  <p:stCondLst>
+                                    <p:cond delay="0"/>
+                                  </p:stCondLst>
+                                  <p:childTnLst>
+                                    <p:set>
+                                      <p:cBhvr>
+                                        <p:cTn id="37" dur="1" fill="hold">
+                                          <p:stCondLst>
+                                            <p:cond delay="0"/>
+                                          </p:stCondLst>
+                                        </p:cTn>
+                                        <p:tgtEl>
+                                          <p:spTgt spid="22"/>
+                                        </p:tgtEl>
+                                        <p:attrNameLst>
+                                          <p:attrName>style.visibility</p:attrName>
+                                        </p:attrNameLst>
+                                      </p:cBhvr>
+                                      <p:to>
+                                        <p:strVal val="visible"/>
+                                      </p:to>
+                                    </p:set>
+                                  </p:childTnLst>
+                                </p:cTn>
+                              </p:par>
+                              <p:par>
+                                <p:cTn id="38" presetID="1" presetClass="entr" presetSubtype="0" fill="hold" grpId="0" nodeType="withEffect">
+                                  <p:stCondLst>
+                                    <p:cond delay="0"/>
+                                  </p:stCondLst>
+                                  <p:childTnLst>
+                                    <p:set>
+                                      <p:cBhvr>
+                                        <p:cTn id="39" dur="1" fill="hold">
+                                          <p:stCondLst>
+                                            <p:cond delay="0"/>
+                                          </p:stCondLst>
+                                        </p:cTn>
+                                        <p:tgtEl>
+                                          <p:spTgt spid="23"/>
+                                        </p:tgtEl>
+                                        <p:attrNameLst>
+                                          <p:attrName>style.visibility</p:attrName>
+                                        </p:attrNameLst>
+                                      </p:cBhvr>
+                                      <p:to>
+                                        <p:strVal val="visible"/>
+                                      </p:to>
+                                    </p:set>
+                                  </p:childTnLst>
+                                </p:cTn>
+                              </p:par>
+                              <p:par>
+                                <p:cTn id="40" presetID="1" presetClass="entr" presetSubtype="0" fill="hold" grpId="0" nodeType="withEffect">
+                                  <p:stCondLst>
+                                    <p:cond delay="0"/>
+                                  </p:stCondLst>
+                                  <p:childTnLst>
+                                    <p:set>
+                                      <p:cBhvr>
+                                        <p:cTn id="41" dur="1" fill="hold">
+                                          <p:stCondLst>
+                                            <p:cond delay="0"/>
+                                          </p:stCondLst>
+                                        </p:cTn>
+                                        <p:tgtEl>
+                                          <p:spTgt spid="24"/>
+                                        </p:tgtEl>
+                                        <p:attrNameLst>
+                                          <p:attrName>style.visibility</p:attrName>
+                                        </p:attrNameLst>
+                                      </p:cBhvr>
+                                      <p:to>
+                                        <p:strVal val="visible"/>
+                                      </p:to>
+                                    </p:set>
+                                  </p:childTnLst>
+                                </p:cTn>
+                              </p:par>
+                              <p:par>
+                                <p:cTn id="42" presetID="1" presetClass="entr" presetSubtype="0" fill="hold" grpId="0" nodeType="withEffect">
+                                  <p:stCondLst>
+                                    <p:cond delay="0"/>
+                                  </p:stCondLst>
+                                  <p:childTnLst>
+                                    <p:set>
+                                      <p:cBhvr>
+                                        <p:cTn id="43" dur="1" fill="hold">
+                                          <p:stCondLst>
+                                            <p:cond delay="0"/>
+                                          </p:stCondLst>
+                                        </p:cTn>
+                                        <p:tgtEl>
+                                          <p:spTgt spid="25"/>
+                                        </p:tgtEl>
+                                        <p:attrNameLst>
+                                          <p:attrName>style.visibility</p:attrName>
+                                        </p:attrNameLst>
+                                      </p:cBhvr>
+                                      <p:to>
+                                        <p:strVal val="visible"/>
+                                      </p:to>
+                                    </p:set>
+                                  </p:childTnLst>
+                                </p:cTn>
+                              </p:par>
+                              <p:par>
+                                <p:cTn id="44" presetID="1" presetClass="entr" presetSubtype="0" fill="hold" grpId="0" nodeType="withEffect">
+                                  <p:stCondLst>
+                                    <p:cond delay="0"/>
+                                  </p:stCondLst>
+                                  <p:childTnLst>
+                                    <p:set>
+                                      <p:cBhvr>
+                                        <p:cTn id="45" dur="1" fill="hold">
+                                          <p:stCondLst>
+                                            <p:cond delay="0"/>
+                                          </p:stCondLst>
+                                        </p:cTn>
+                                        <p:tgtEl>
+                                          <p:spTgt spid="26"/>
+                                        </p:tgtEl>
+                                        <p:attrNameLst>
+                                          <p:attrName>style.visibility</p:attrName>
+                                        </p:attrNameLst>
+                                      </p:cBhvr>
+                                      <p:to>
+                                        <p:strVal val="visible"/>
+                                      </p:to>
+                                    </p:set>
+                                  </p:childTnLst>
+                                </p:cTn>
+                              </p:par>
+                              <p:par>
+                                <p:cTn id="46" presetID="1" presetClass="entr" presetSubtype="0" fill="hold" grpId="0" nodeType="withEffect">
+                                  <p:stCondLst>
+                                    <p:cond delay="0"/>
+                                  </p:stCondLst>
+                                  <p:childTnLst>
+                                    <p:set>
+                                      <p:cBhvr>
+                                        <p:cTn id="47" dur="1" fill="hold">
+                                          <p:stCondLst>
+                                            <p:cond delay="0"/>
+                                          </p:stCondLst>
+                                        </p:cTn>
+                                        <p:tgtEl>
+                                          <p:spTgt spid="27"/>
+                                        </p:tgtEl>
+                                        <p:attrNameLst>
+                                          <p:attrName>style.visibility</p:attrName>
+                                        </p:attrNameLst>
+                                      </p:cBhvr>
+                                      <p:to>
+                                        <p:strVal val="visible"/>
+                                      </p:to>
+                                    </p:set>
+                                  </p:childTnLst>
+                                </p:cTn>
+                              </p:par>
+                              <p:par>
+                                <p:cTn id="48" presetID="1" presetClass="entr" presetSubtype="0" fill="hold" grpId="0" nodeType="withEffect">
+                                  <p:stCondLst>
+                                    <p:cond delay="0"/>
+                                  </p:stCondLst>
+                                  <p:childTnLst>
+                                    <p:set>
+                                      <p:cBhvr>
+                                        <p:cTn id="49" dur="1" fill="hold">
+                                          <p:stCondLst>
+                                            <p:cond delay="0"/>
+                                          </p:stCondLst>
+                                        </p:cTn>
+                                        <p:tgtEl>
+                                          <p:spTgt spid="28"/>
+                                        </p:tgtEl>
+                                        <p:attrNameLst>
+                                          <p:attrName>style.visibility</p:attrName>
+                                        </p:attrNameLst>
+                                      </p:cBhvr>
+                                      <p:to>
+                                        <p:strVal val="visible"/>
+                                      </p:to>
+                                    </p:set>
+                                  </p:childTnLst>
+                                </p:cTn>
+                              </p:par>
+                              <p:par>
+                                <p:cTn id="50" presetID="1" presetClass="entr" presetSubtype="0" fill="hold" grpId="0" nodeType="withEffect">
+                                  <p:stCondLst>
+                                    <p:cond delay="0"/>
+                                  </p:stCondLst>
+                                  <p:childTnLst>
+                                    <p:set>
+                                      <p:cBhvr>
+                                        <p:cTn id="51" dur="1" fill="hold">
+                                          <p:stCondLst>
+                                            <p:cond delay="0"/>
+                                          </p:stCondLst>
+                                        </p:cTn>
+                                        <p:tgtEl>
+                                          <p:spTgt spid="29"/>
+                                        </p:tgtEl>
+                                        <p:attrNameLst>
+                                          <p:attrName>style.visibility</p:attrName>
+                                        </p:attrNameLst>
+                                      </p:cBhvr>
+                                      <p:to>
+                                        <p:strVal val="visible"/>
+                                      </p:to>
+                                    </p:set>
+                                  </p:childTnLst>
+                                </p:cTn>
+                              </p:par>
+                              <p:par>
+                                <p:cTn id="52" presetID="1" presetClass="entr" presetSubtype="0" fill="hold" nodeType="withEffect">
+                                  <p:stCondLst>
+                                    <p:cond delay="0"/>
+                                  </p:stCondLst>
+                                  <p:childTnLst>
+                                    <p:set>
+                                      <p:cBhvr>
+                                        <p:cTn id="53" dur="1" fill="hold">
+                                          <p:stCondLst>
+                                            <p:cond delay="0"/>
+                                          </p:stCondLst>
+                                        </p:cTn>
+                                        <p:tgtEl>
+                                          <p:spTgt spid="30"/>
+                                        </p:tgtEl>
+                                        <p:attrNameLst>
+                                          <p:attrName>style.visibility</p:attrName>
+                                        </p:attrNameLst>
+                                      </p:cBhvr>
+                                      <p:to>
+                                        <p:strVal val="visible"/>
+                                      </p:to>
+                                    </p:set>
+                                  </p:childTnLst>
+                                </p:cTn>
+                              </p:par>
+                            </p:childTnLst>
+                          </p:cTn>
+                        </p:par>
+                      </p:childTnLst>
+                    </p:cTn>
+                  </p:par>
                 </p:childTnLst>
               </p:cTn>
               <p:prevCondLst>
@@ -15913,6 +16489,24 @@
         </p:cTn>
       </p:par>
     </p:tnLst>
+    <p:bldLst>
+      <p:bldP spid="3" grpId="0" animBg="1"/>
+      <p:bldP spid="4" grpId="0" animBg="1"/>
+      <p:bldP spid="5" grpId="0" animBg="1"/>
+      <p:bldP spid="14" grpId="0"/>
+      <p:bldP spid="18" grpId="0"/>
+      <p:bldP spid="19" grpId="0"/>
+      <p:bldP spid="20" grpId="0" animBg="1"/>
+      <p:bldP spid="21" grpId="0" animBg="1"/>
+      <p:bldP spid="22" grpId="0" animBg="1"/>
+      <p:bldP spid="23" grpId="0" animBg="1"/>
+      <p:bldP spid="24" grpId="0" animBg="1"/>
+      <p:bldP spid="25" grpId="0" animBg="1"/>
+      <p:bldP spid="26" grpId="0"/>
+      <p:bldP spid="27" grpId="0"/>
+      <p:bldP spid="28" grpId="0"/>
+      <p:bldP spid="29" grpId="0"/>
+    </p:bldLst>
   </p:timing>
 </p:sld>
 </file>
@@ -16100,7 +16694,7 @@
                             </p:stCondLst>
                             <p:childTnLst>
                               <p:par>
-                                <p:cTn id="5" presetID="10" presetClass="entr" presetSubtype="0" fill="hold" grpId="0" nodeType="clickEffect">
+                                <p:cTn id="5" presetID="10" presetClass="entr" presetSubtype="0" fill="hold" nodeType="clickEffect">
                                   <p:stCondLst>
                                     <p:cond delay="0"/>
                                   </p:stCondLst>
@@ -16108,59 +16702,6 @@
                                     <p:set>
                                       <p:cBhvr>
                                         <p:cTn id="6" dur="1" fill="hold">
-                                          <p:stCondLst>
-                                            <p:cond delay="0"/>
-                                          </p:stCondLst>
-                                        </p:cTn>
-                                        <p:tgtEl>
-                                          <p:spTgt spid="2"/>
-                                        </p:tgtEl>
-                                        <p:attrNameLst>
-                                          <p:attrName>style.visibility</p:attrName>
-                                        </p:attrNameLst>
-                                      </p:cBhvr>
-                                      <p:to>
-                                        <p:strVal val="visible"/>
-                                      </p:to>
-                                    </p:set>
-                                    <p:animEffect transition="in" filter="fade">
-                                      <p:cBhvr>
-                                        <p:cTn id="7" dur="500"/>
-                                        <p:tgtEl>
-                                          <p:spTgt spid="2"/>
-                                        </p:tgtEl>
-                                      </p:cBhvr>
-                                    </p:animEffect>
-                                  </p:childTnLst>
-                                </p:cTn>
-                              </p:par>
-                            </p:childTnLst>
-                          </p:cTn>
-                        </p:par>
-                      </p:childTnLst>
-                    </p:cTn>
-                  </p:par>
-                  <p:par>
-                    <p:cTn id="8" fill="hold">
-                      <p:stCondLst>
-                        <p:cond delay="indefinite"/>
-                      </p:stCondLst>
-                      <p:childTnLst>
-                        <p:par>
-                          <p:cTn id="9" fill="hold">
-                            <p:stCondLst>
-                              <p:cond delay="0"/>
-                            </p:stCondLst>
-                            <p:childTnLst>
-                              <p:par>
-                                <p:cTn id="10" presetID="10" presetClass="entr" presetSubtype="0" fill="hold" nodeType="clickEffect">
-                                  <p:stCondLst>
-                                    <p:cond delay="0"/>
-                                  </p:stCondLst>
-                                  <p:childTnLst>
-                                    <p:set>
-                                      <p:cBhvr>
-                                        <p:cTn id="11" dur="1" fill="hold">
                                           <p:stCondLst>
                                             <p:cond delay="0"/>
                                           </p:stCondLst>
@@ -16182,7 +16723,7 @@
                                     </p:set>
                                     <p:animEffect transition="in" filter="fade">
                                       <p:cBhvr>
-                                        <p:cTn id="12" dur="800"/>
+                                        <p:cTn id="7" dur="800"/>
                                         <p:tgtEl>
                                           <p:spTgt spid="4">
                                             <p:txEl>
@@ -16196,14 +16737,14 @@
                                 </p:cTn>
                               </p:par>
                               <p:par>
-                                <p:cTn id="13" presetID="10" presetClass="entr" presetSubtype="0" fill="hold" nodeType="withEffect">
+                                <p:cTn id="8" presetID="10" presetClass="entr" presetSubtype="0" fill="hold" nodeType="withEffect">
                                   <p:stCondLst>
                                     <p:cond delay="0"/>
                                   </p:stCondLst>
                                   <p:childTnLst>
                                     <p:set>
                                       <p:cBhvr>
-                                        <p:cTn id="14" dur="1" fill="hold">
+                                        <p:cTn id="9" dur="1" fill="hold">
                                           <p:stCondLst>
                                             <p:cond delay="0"/>
                                           </p:stCondLst>
@@ -16225,7 +16766,7 @@
                                     </p:set>
                                     <p:animEffect transition="in" filter="fade">
                                       <p:cBhvr>
-                                        <p:cTn id="15" dur="500"/>
+                                        <p:cTn id="10" dur="500"/>
                                         <p:tgtEl>
                                           <p:spTgt spid="4">
                                             <p:txEl>
@@ -16245,26 +16786,26 @@
                     </p:cTn>
                   </p:par>
                   <p:par>
-                    <p:cTn id="16" fill="hold">
+                    <p:cTn id="11" fill="hold">
                       <p:stCondLst>
                         <p:cond delay="indefinite"/>
                       </p:stCondLst>
                       <p:childTnLst>
                         <p:par>
-                          <p:cTn id="17" fill="hold">
+                          <p:cTn id="12" fill="hold">
                             <p:stCondLst>
                               <p:cond delay="0"/>
                             </p:stCondLst>
                             <p:childTnLst>
                               <p:par>
-                                <p:cTn id="18" presetID="10" presetClass="entr" presetSubtype="0" fill="hold" nodeType="clickEffect">
+                                <p:cTn id="13" presetID="10" presetClass="entr" presetSubtype="0" fill="hold" nodeType="clickEffect">
                                   <p:stCondLst>
                                     <p:cond delay="0"/>
                                   </p:stCondLst>
                                   <p:childTnLst>
                                     <p:set>
                                       <p:cBhvr>
-                                        <p:cTn id="19" dur="1" fill="hold">
+                                        <p:cTn id="14" dur="1" fill="hold">
                                           <p:stCondLst>
                                             <p:cond delay="0"/>
                                           </p:stCondLst>
@@ -16286,7 +16827,7 @@
                                     </p:set>
                                     <p:animEffect transition="in" filter="fade">
                                       <p:cBhvr>
-                                        <p:cTn id="20" dur="900"/>
+                                        <p:cTn id="15" dur="900"/>
                                         <p:tgtEl>
                                           <p:spTgt spid="4">
                                             <p:txEl>
@@ -16300,14 +16841,14 @@
                                 </p:cTn>
                               </p:par>
                               <p:par>
-                                <p:cTn id="21" presetID="10" presetClass="entr" presetSubtype="0" fill="hold" nodeType="withEffect">
+                                <p:cTn id="16" presetID="10" presetClass="entr" presetSubtype="0" fill="hold" nodeType="withEffect">
                                   <p:stCondLst>
                                     <p:cond delay="0"/>
                                   </p:stCondLst>
                                   <p:childTnLst>
                                     <p:set>
                                       <p:cBhvr>
-                                        <p:cTn id="22" dur="1" fill="hold">
+                                        <p:cTn id="17" dur="1" fill="hold">
                                           <p:stCondLst>
                                             <p:cond delay="0"/>
                                           </p:stCondLst>
@@ -16329,7 +16870,7 @@
                                     </p:set>
                                     <p:animEffect transition="in" filter="fade">
                                       <p:cBhvr>
-                                        <p:cTn id="23" dur="1000"/>
+                                        <p:cTn id="18" dur="1000"/>
                                         <p:tgtEl>
                                           <p:spTgt spid="4">
                                             <p:txEl>
@@ -16369,9 +16910,6 @@
         </p:cTn>
       </p:par>
     </p:tnLst>
-    <p:bldLst>
-      <p:bldP spid="2" grpId="0"/>
-    </p:bldLst>
   </p:timing>
 </p:sld>
 </file>
@@ -16425,7 +16963,7 @@
         </p:nvSpPr>
         <p:spPr>
           <a:xfrm>
-            <a:off x="546100" y="1981200"/>
+            <a:off x="589514" y="1903180"/>
             <a:ext cx="11099800" cy="4737100"/>
           </a:xfrm>
           <a:prstGeom prst="rect">
@@ -18115,7 +18653,7 @@
                               <p:par>
                                 <p:cTn id="5" presetID="10" presetClass="entr" presetSubtype="0" fill="hold" grpId="0" nodeType="clickEffect">
                                   <p:stCondLst>
-                                    <p:cond delay="0"/>
+                                    <p:cond delay="500"/>
                                   </p:stCondLst>
                                   <p:childTnLst>
                                     <p:set>
@@ -18126,7 +18664,7 @@
                                           </p:stCondLst>
                                         </p:cTn>
                                         <p:tgtEl>
-                                          <p:spTgt spid="2"/>
+                                          <p:spTgt spid="5"/>
                                         </p:tgtEl>
                                         <p:attrNameLst>
                                           <p:attrName>style.visibility</p:attrName>
@@ -18140,7 +18678,7 @@
                                       <p:cBhvr>
                                         <p:cTn id="7" dur="500"/>
                                         <p:tgtEl>
-                                          <p:spTgt spid="2"/>
+                                          <p:spTgt spid="5"/>
                                         </p:tgtEl>
                                       </p:cBhvr>
                                     </p:animEffect>
@@ -18166,9 +18704,9 @@
                             </p:stCondLst>
                             <p:childTnLst>
                               <p:par>
-                                <p:cTn id="10" presetID="10" presetClass="entr" presetSubtype="0" fill="hold" grpId="0" nodeType="clickEffect">
+                                <p:cTn id="10" presetID="1" presetClass="entr" presetSubtype="0" fill="hold" grpId="0" nodeType="clickEffect">
                                   <p:stCondLst>
-                                    <p:cond delay="500"/>
+                                    <p:cond delay="0"/>
                                   </p:stCondLst>
                                   <p:childTnLst>
                                     <p:set>
@@ -18179,7 +18717,7 @@
                                           </p:stCondLst>
                                         </p:cTn>
                                         <p:tgtEl>
-                                          <p:spTgt spid="5"/>
+                                          <p:spTgt spid="47"/>
                                         </p:tgtEl>
                                         <p:attrNameLst>
                                           <p:attrName>style.visibility</p:attrName>
@@ -18189,14 +18727,1014 @@
                                         <p:strVal val="visible"/>
                                       </p:to>
                                     </p:set>
-                                    <p:animEffect transition="in" filter="fade">
+                                  </p:childTnLst>
+                                </p:cTn>
+                              </p:par>
+                              <p:par>
+                                <p:cTn id="12" presetID="1" presetClass="entr" presetSubtype="0" fill="hold" grpId="0" nodeType="withEffect">
+                                  <p:stCondLst>
+                                    <p:cond delay="0"/>
+                                  </p:stCondLst>
+                                  <p:childTnLst>
+                                    <p:set>
                                       <p:cBhvr>
-                                        <p:cTn id="12" dur="500"/>
+                                        <p:cTn id="13" dur="1" fill="hold">
+                                          <p:stCondLst>
+                                            <p:cond delay="0"/>
+                                          </p:stCondLst>
+                                        </p:cTn>
                                         <p:tgtEl>
-                                          <p:spTgt spid="5"/>
+                                          <p:spTgt spid="48"/>
                                         </p:tgtEl>
+                                        <p:attrNameLst>
+                                          <p:attrName>style.visibility</p:attrName>
+                                        </p:attrNameLst>
                                       </p:cBhvr>
-                                    </p:animEffect>
+                                      <p:to>
+                                        <p:strVal val="visible"/>
+                                      </p:to>
+                                    </p:set>
+                                  </p:childTnLst>
+                                </p:cTn>
+                              </p:par>
+                              <p:par>
+                                <p:cTn id="14" presetID="1" presetClass="entr" presetSubtype="0" fill="hold" grpId="0" nodeType="withEffect">
+                                  <p:stCondLst>
+                                    <p:cond delay="0"/>
+                                  </p:stCondLst>
+                                  <p:childTnLst>
+                                    <p:set>
+                                      <p:cBhvr>
+                                        <p:cTn id="15" dur="1" fill="hold">
+                                          <p:stCondLst>
+                                            <p:cond delay="0"/>
+                                          </p:stCondLst>
+                                        </p:cTn>
+                                        <p:tgtEl>
+                                          <p:spTgt spid="49"/>
+                                        </p:tgtEl>
+                                        <p:attrNameLst>
+                                          <p:attrName>style.visibility</p:attrName>
+                                        </p:attrNameLst>
+                                      </p:cBhvr>
+                                      <p:to>
+                                        <p:strVal val="visible"/>
+                                      </p:to>
+                                    </p:set>
+                                  </p:childTnLst>
+                                </p:cTn>
+                              </p:par>
+                              <p:par>
+                                <p:cTn id="16" presetID="1" presetClass="entr" presetSubtype="0" fill="hold" grpId="0" nodeType="withEffect">
+                                  <p:stCondLst>
+                                    <p:cond delay="0"/>
+                                  </p:stCondLst>
+                                  <p:childTnLst>
+                                    <p:set>
+                                      <p:cBhvr>
+                                        <p:cTn id="17" dur="1" fill="hold">
+                                          <p:stCondLst>
+                                            <p:cond delay="0"/>
+                                          </p:stCondLst>
+                                        </p:cTn>
+                                        <p:tgtEl>
+                                          <p:spTgt spid="50"/>
+                                        </p:tgtEl>
+                                        <p:attrNameLst>
+                                          <p:attrName>style.visibility</p:attrName>
+                                        </p:attrNameLst>
+                                      </p:cBhvr>
+                                      <p:to>
+                                        <p:strVal val="visible"/>
+                                      </p:to>
+                                    </p:set>
+                                  </p:childTnLst>
+                                </p:cTn>
+                              </p:par>
+                              <p:par>
+                                <p:cTn id="18" presetID="1" presetClass="entr" presetSubtype="0" fill="hold" grpId="0" nodeType="withEffect">
+                                  <p:stCondLst>
+                                    <p:cond delay="0"/>
+                                  </p:stCondLst>
+                                  <p:childTnLst>
+                                    <p:set>
+                                      <p:cBhvr>
+                                        <p:cTn id="19" dur="1" fill="hold">
+                                          <p:stCondLst>
+                                            <p:cond delay="0"/>
+                                          </p:stCondLst>
+                                        </p:cTn>
+                                        <p:tgtEl>
+                                          <p:spTgt spid="51"/>
+                                        </p:tgtEl>
+                                        <p:attrNameLst>
+                                          <p:attrName>style.visibility</p:attrName>
+                                        </p:attrNameLst>
+                                      </p:cBhvr>
+                                      <p:to>
+                                        <p:strVal val="visible"/>
+                                      </p:to>
+                                    </p:set>
+                                  </p:childTnLst>
+                                </p:cTn>
+                              </p:par>
+                              <p:par>
+                                <p:cTn id="20" presetID="1" presetClass="entr" presetSubtype="0" fill="hold" nodeType="withEffect">
+                                  <p:stCondLst>
+                                    <p:cond delay="0"/>
+                                  </p:stCondLst>
+                                  <p:childTnLst>
+                                    <p:set>
+                                      <p:cBhvr>
+                                        <p:cTn id="21" dur="1" fill="hold">
+                                          <p:stCondLst>
+                                            <p:cond delay="0"/>
+                                          </p:stCondLst>
+                                        </p:cTn>
+                                        <p:tgtEl>
+                                          <p:spTgt spid="52"/>
+                                        </p:tgtEl>
+                                        <p:attrNameLst>
+                                          <p:attrName>style.visibility</p:attrName>
+                                        </p:attrNameLst>
+                                      </p:cBhvr>
+                                      <p:to>
+                                        <p:strVal val="visible"/>
+                                      </p:to>
+                                    </p:set>
+                                  </p:childTnLst>
+                                </p:cTn>
+                              </p:par>
+                              <p:par>
+                                <p:cTn id="22" presetID="1" presetClass="entr" presetSubtype="0" fill="hold" nodeType="withEffect">
+                                  <p:stCondLst>
+                                    <p:cond delay="0"/>
+                                  </p:stCondLst>
+                                  <p:childTnLst>
+                                    <p:set>
+                                      <p:cBhvr>
+                                        <p:cTn id="23" dur="1" fill="hold">
+                                          <p:stCondLst>
+                                            <p:cond delay="0"/>
+                                          </p:stCondLst>
+                                        </p:cTn>
+                                        <p:tgtEl>
+                                          <p:spTgt spid="53"/>
+                                        </p:tgtEl>
+                                        <p:attrNameLst>
+                                          <p:attrName>style.visibility</p:attrName>
+                                        </p:attrNameLst>
+                                      </p:cBhvr>
+                                      <p:to>
+                                        <p:strVal val="visible"/>
+                                      </p:to>
+                                    </p:set>
+                                  </p:childTnLst>
+                                </p:cTn>
+                              </p:par>
+                              <p:par>
+                                <p:cTn id="24" presetID="1" presetClass="entr" presetSubtype="0" fill="hold" nodeType="withEffect">
+                                  <p:stCondLst>
+                                    <p:cond delay="0"/>
+                                  </p:stCondLst>
+                                  <p:childTnLst>
+                                    <p:set>
+                                      <p:cBhvr>
+                                        <p:cTn id="25" dur="1" fill="hold">
+                                          <p:stCondLst>
+                                            <p:cond delay="0"/>
+                                          </p:stCondLst>
+                                        </p:cTn>
+                                        <p:tgtEl>
+                                          <p:spTgt spid="54"/>
+                                        </p:tgtEl>
+                                        <p:attrNameLst>
+                                          <p:attrName>style.visibility</p:attrName>
+                                        </p:attrNameLst>
+                                      </p:cBhvr>
+                                      <p:to>
+                                        <p:strVal val="visible"/>
+                                      </p:to>
+                                    </p:set>
+                                  </p:childTnLst>
+                                </p:cTn>
+                              </p:par>
+                              <p:par>
+                                <p:cTn id="26" presetID="1" presetClass="entr" presetSubtype="0" fill="hold" nodeType="withEffect">
+                                  <p:stCondLst>
+                                    <p:cond delay="0"/>
+                                  </p:stCondLst>
+                                  <p:childTnLst>
+                                    <p:set>
+                                      <p:cBhvr>
+                                        <p:cTn id="27" dur="1" fill="hold">
+                                          <p:stCondLst>
+                                            <p:cond delay="0"/>
+                                          </p:stCondLst>
+                                        </p:cTn>
+                                        <p:tgtEl>
+                                          <p:spTgt spid="55"/>
+                                        </p:tgtEl>
+                                        <p:attrNameLst>
+                                          <p:attrName>style.visibility</p:attrName>
+                                        </p:attrNameLst>
+                                      </p:cBhvr>
+                                      <p:to>
+                                        <p:strVal val="visible"/>
+                                      </p:to>
+                                    </p:set>
+                                  </p:childTnLst>
+                                </p:cTn>
+                              </p:par>
+                              <p:par>
+                                <p:cTn id="28" presetID="1" presetClass="entr" presetSubtype="0" fill="hold" grpId="0" nodeType="withEffect">
+                                  <p:stCondLst>
+                                    <p:cond delay="0"/>
+                                  </p:stCondLst>
+                                  <p:childTnLst>
+                                    <p:set>
+                                      <p:cBhvr>
+                                        <p:cTn id="29" dur="1" fill="hold">
+                                          <p:stCondLst>
+                                            <p:cond delay="0"/>
+                                          </p:stCondLst>
+                                        </p:cTn>
+                                        <p:tgtEl>
+                                          <p:spTgt spid="59"/>
+                                        </p:tgtEl>
+                                        <p:attrNameLst>
+                                          <p:attrName>style.visibility</p:attrName>
+                                        </p:attrNameLst>
+                                      </p:cBhvr>
+                                      <p:to>
+                                        <p:strVal val="visible"/>
+                                      </p:to>
+                                    </p:set>
+                                  </p:childTnLst>
+                                </p:cTn>
+                              </p:par>
+                              <p:par>
+                                <p:cTn id="30" presetID="1" presetClass="entr" presetSubtype="0" fill="hold" nodeType="withEffect">
+                                  <p:stCondLst>
+                                    <p:cond delay="0"/>
+                                  </p:stCondLst>
+                                  <p:childTnLst>
+                                    <p:set>
+                                      <p:cBhvr>
+                                        <p:cTn id="31" dur="1" fill="hold">
+                                          <p:stCondLst>
+                                            <p:cond delay="0"/>
+                                          </p:stCondLst>
+                                        </p:cTn>
+                                        <p:tgtEl>
+                                          <p:spTgt spid="60"/>
+                                        </p:tgtEl>
+                                        <p:attrNameLst>
+                                          <p:attrName>style.visibility</p:attrName>
+                                        </p:attrNameLst>
+                                      </p:cBhvr>
+                                      <p:to>
+                                        <p:strVal val="visible"/>
+                                      </p:to>
+                                    </p:set>
+                                  </p:childTnLst>
+                                </p:cTn>
+                              </p:par>
+                              <p:par>
+                                <p:cTn id="32" presetID="1" presetClass="entr" presetSubtype="0" fill="hold" grpId="0" nodeType="withEffect">
+                                  <p:stCondLst>
+                                    <p:cond delay="0"/>
+                                  </p:stCondLst>
+                                  <p:childTnLst>
+                                    <p:set>
+                                      <p:cBhvr>
+                                        <p:cTn id="33" dur="1" fill="hold">
+                                          <p:stCondLst>
+                                            <p:cond delay="0"/>
+                                          </p:stCondLst>
+                                        </p:cTn>
+                                        <p:tgtEl>
+                                          <p:spTgt spid="61"/>
+                                        </p:tgtEl>
+                                        <p:attrNameLst>
+                                          <p:attrName>style.visibility</p:attrName>
+                                        </p:attrNameLst>
+                                      </p:cBhvr>
+                                      <p:to>
+                                        <p:strVal val="visible"/>
+                                      </p:to>
+                                    </p:set>
+                                  </p:childTnLst>
+                                </p:cTn>
+                              </p:par>
+                              <p:par>
+                                <p:cTn id="34" presetID="1" presetClass="entr" presetSubtype="0" fill="hold" nodeType="withEffect">
+                                  <p:stCondLst>
+                                    <p:cond delay="0"/>
+                                  </p:stCondLst>
+                                  <p:childTnLst>
+                                    <p:set>
+                                      <p:cBhvr>
+                                        <p:cTn id="35" dur="1" fill="hold">
+                                          <p:stCondLst>
+                                            <p:cond delay="0"/>
+                                          </p:stCondLst>
+                                        </p:cTn>
+                                        <p:tgtEl>
+                                          <p:spTgt spid="62"/>
+                                        </p:tgtEl>
+                                        <p:attrNameLst>
+                                          <p:attrName>style.visibility</p:attrName>
+                                        </p:attrNameLst>
+                                      </p:cBhvr>
+                                      <p:to>
+                                        <p:strVal val="visible"/>
+                                      </p:to>
+                                    </p:set>
+                                  </p:childTnLst>
+                                </p:cTn>
+                              </p:par>
+                              <p:par>
+                                <p:cTn id="36" presetID="1" presetClass="entr" presetSubtype="0" fill="hold" grpId="0" nodeType="withEffect">
+                                  <p:stCondLst>
+                                    <p:cond delay="0"/>
+                                  </p:stCondLst>
+                                  <p:childTnLst>
+                                    <p:set>
+                                      <p:cBhvr>
+                                        <p:cTn id="37" dur="1" fill="hold">
+                                          <p:stCondLst>
+                                            <p:cond delay="0"/>
+                                          </p:stCondLst>
+                                        </p:cTn>
+                                        <p:tgtEl>
+                                          <p:spTgt spid="63"/>
+                                        </p:tgtEl>
+                                        <p:attrNameLst>
+                                          <p:attrName>style.visibility</p:attrName>
+                                        </p:attrNameLst>
+                                      </p:cBhvr>
+                                      <p:to>
+                                        <p:strVal val="visible"/>
+                                      </p:to>
+                                    </p:set>
+                                  </p:childTnLst>
+                                </p:cTn>
+                              </p:par>
+                              <p:par>
+                                <p:cTn id="38" presetID="1" presetClass="entr" presetSubtype="0" fill="hold" nodeType="withEffect">
+                                  <p:stCondLst>
+                                    <p:cond delay="0"/>
+                                  </p:stCondLst>
+                                  <p:childTnLst>
+                                    <p:set>
+                                      <p:cBhvr>
+                                        <p:cTn id="39" dur="1" fill="hold">
+                                          <p:stCondLst>
+                                            <p:cond delay="0"/>
+                                          </p:stCondLst>
+                                        </p:cTn>
+                                        <p:tgtEl>
+                                          <p:spTgt spid="64"/>
+                                        </p:tgtEl>
+                                        <p:attrNameLst>
+                                          <p:attrName>style.visibility</p:attrName>
+                                        </p:attrNameLst>
+                                      </p:cBhvr>
+                                      <p:to>
+                                        <p:strVal val="visible"/>
+                                      </p:to>
+                                    </p:set>
+                                  </p:childTnLst>
+                                </p:cTn>
+                              </p:par>
+                              <p:par>
+                                <p:cTn id="40" presetID="1" presetClass="entr" presetSubtype="0" fill="hold" grpId="0" nodeType="withEffect">
+                                  <p:stCondLst>
+                                    <p:cond delay="0"/>
+                                  </p:stCondLst>
+                                  <p:childTnLst>
+                                    <p:set>
+                                      <p:cBhvr>
+                                        <p:cTn id="41" dur="1" fill="hold">
+                                          <p:stCondLst>
+                                            <p:cond delay="0"/>
+                                          </p:stCondLst>
+                                        </p:cTn>
+                                        <p:tgtEl>
+                                          <p:spTgt spid="68"/>
+                                        </p:tgtEl>
+                                        <p:attrNameLst>
+                                          <p:attrName>style.visibility</p:attrName>
+                                        </p:attrNameLst>
+                                      </p:cBhvr>
+                                      <p:to>
+                                        <p:strVal val="visible"/>
+                                      </p:to>
+                                    </p:set>
+                                  </p:childTnLst>
+                                </p:cTn>
+                              </p:par>
+                              <p:par>
+                                <p:cTn id="42" presetID="1" presetClass="entr" presetSubtype="0" fill="hold" nodeType="withEffect">
+                                  <p:stCondLst>
+                                    <p:cond delay="0"/>
+                                  </p:stCondLst>
+                                  <p:childTnLst>
+                                    <p:set>
+                                      <p:cBhvr>
+                                        <p:cTn id="43" dur="1" fill="hold">
+                                          <p:stCondLst>
+                                            <p:cond delay="0"/>
+                                          </p:stCondLst>
+                                        </p:cTn>
+                                        <p:tgtEl>
+                                          <p:spTgt spid="69"/>
+                                        </p:tgtEl>
+                                        <p:attrNameLst>
+                                          <p:attrName>style.visibility</p:attrName>
+                                        </p:attrNameLst>
+                                      </p:cBhvr>
+                                      <p:to>
+                                        <p:strVal val="visible"/>
+                                      </p:to>
+                                    </p:set>
+                                  </p:childTnLst>
+                                </p:cTn>
+                              </p:par>
+                            </p:childTnLst>
+                          </p:cTn>
+                        </p:par>
+                      </p:childTnLst>
+                    </p:cTn>
+                  </p:par>
+                  <p:par>
+                    <p:cTn id="44" fill="hold">
+                      <p:stCondLst>
+                        <p:cond delay="indefinite"/>
+                      </p:stCondLst>
+                      <p:childTnLst>
+                        <p:par>
+                          <p:cTn id="45" fill="hold">
+                            <p:stCondLst>
+                              <p:cond delay="0"/>
+                            </p:stCondLst>
+                            <p:childTnLst>
+                              <p:par>
+                                <p:cTn id="46" presetID="1" presetClass="entr" presetSubtype="0" fill="hold" nodeType="clickEffect">
+                                  <p:stCondLst>
+                                    <p:cond delay="0"/>
+                                  </p:stCondLst>
+                                  <p:childTnLst>
+                                    <p:set>
+                                      <p:cBhvr>
+                                        <p:cTn id="47" dur="1" fill="hold">
+                                          <p:stCondLst>
+                                            <p:cond delay="0"/>
+                                          </p:stCondLst>
+                                        </p:cTn>
+                                        <p:tgtEl>
+                                          <p:spTgt spid="84"/>
+                                        </p:tgtEl>
+                                        <p:attrNameLst>
+                                          <p:attrName>style.visibility</p:attrName>
+                                        </p:attrNameLst>
+                                      </p:cBhvr>
+                                      <p:to>
+                                        <p:strVal val="visible"/>
+                                      </p:to>
+                                    </p:set>
+                                  </p:childTnLst>
+                                </p:cTn>
+                              </p:par>
+                              <p:par>
+                                <p:cTn id="48" presetID="1" presetClass="entr" presetSubtype="0" fill="hold" grpId="0" nodeType="withEffect">
+                                  <p:stCondLst>
+                                    <p:cond delay="0"/>
+                                  </p:stCondLst>
+                                  <p:childTnLst>
+                                    <p:set>
+                                      <p:cBhvr>
+                                        <p:cTn id="49" dur="1" fill="hold">
+                                          <p:stCondLst>
+                                            <p:cond delay="0"/>
+                                          </p:stCondLst>
+                                        </p:cTn>
+                                        <p:tgtEl>
+                                          <p:spTgt spid="85"/>
+                                        </p:tgtEl>
+                                        <p:attrNameLst>
+                                          <p:attrName>style.visibility</p:attrName>
+                                        </p:attrNameLst>
+                                      </p:cBhvr>
+                                      <p:to>
+                                        <p:strVal val="visible"/>
+                                      </p:to>
+                                    </p:set>
+                                  </p:childTnLst>
+                                </p:cTn>
+                              </p:par>
+                              <p:par>
+                                <p:cTn id="50" presetID="1" presetClass="entr" presetSubtype="0" fill="hold" nodeType="withEffect">
+                                  <p:stCondLst>
+                                    <p:cond delay="0"/>
+                                  </p:stCondLst>
+                                  <p:childTnLst>
+                                    <p:set>
+                                      <p:cBhvr>
+                                        <p:cTn id="51" dur="1" fill="hold">
+                                          <p:stCondLst>
+                                            <p:cond delay="0"/>
+                                          </p:stCondLst>
+                                        </p:cTn>
+                                        <p:tgtEl>
+                                          <p:spTgt spid="86"/>
+                                        </p:tgtEl>
+                                        <p:attrNameLst>
+                                          <p:attrName>style.visibility</p:attrName>
+                                        </p:attrNameLst>
+                                      </p:cBhvr>
+                                      <p:to>
+                                        <p:strVal val="visible"/>
+                                      </p:to>
+                                    </p:set>
+                                  </p:childTnLst>
+                                </p:cTn>
+                              </p:par>
+                              <p:par>
+                                <p:cTn id="52" presetID="1" presetClass="entr" presetSubtype="0" fill="hold" grpId="0" nodeType="withEffect">
+                                  <p:stCondLst>
+                                    <p:cond delay="0"/>
+                                  </p:stCondLst>
+                                  <p:childTnLst>
+                                    <p:set>
+                                      <p:cBhvr>
+                                        <p:cTn id="53" dur="1" fill="hold">
+                                          <p:stCondLst>
+                                            <p:cond delay="0"/>
+                                          </p:stCondLst>
+                                        </p:cTn>
+                                        <p:tgtEl>
+                                          <p:spTgt spid="70"/>
+                                        </p:tgtEl>
+                                        <p:attrNameLst>
+                                          <p:attrName>style.visibility</p:attrName>
+                                        </p:attrNameLst>
+                                      </p:cBhvr>
+                                      <p:to>
+                                        <p:strVal val="visible"/>
+                                      </p:to>
+                                    </p:set>
+                                  </p:childTnLst>
+                                </p:cTn>
+                              </p:par>
+                              <p:par>
+                                <p:cTn id="54" presetID="1" presetClass="entr" presetSubtype="0" fill="hold" grpId="0" nodeType="withEffect">
+                                  <p:stCondLst>
+                                    <p:cond delay="0"/>
+                                  </p:stCondLst>
+                                  <p:childTnLst>
+                                    <p:set>
+                                      <p:cBhvr>
+                                        <p:cTn id="55" dur="1" fill="hold">
+                                          <p:stCondLst>
+                                            <p:cond delay="0"/>
+                                          </p:stCondLst>
+                                        </p:cTn>
+                                        <p:tgtEl>
+                                          <p:spTgt spid="71"/>
+                                        </p:tgtEl>
+                                        <p:attrNameLst>
+                                          <p:attrName>style.visibility</p:attrName>
+                                        </p:attrNameLst>
+                                      </p:cBhvr>
+                                      <p:to>
+                                        <p:strVal val="visible"/>
+                                      </p:to>
+                                    </p:set>
+                                  </p:childTnLst>
+                                </p:cTn>
+                              </p:par>
+                              <p:par>
+                                <p:cTn id="56" presetID="1" presetClass="entr" presetSubtype="0" fill="hold" grpId="0" nodeType="withEffect">
+                                  <p:stCondLst>
+                                    <p:cond delay="0"/>
+                                  </p:stCondLst>
+                                  <p:childTnLst>
+                                    <p:set>
+                                      <p:cBhvr>
+                                        <p:cTn id="57" dur="1" fill="hold">
+                                          <p:stCondLst>
+                                            <p:cond delay="0"/>
+                                          </p:stCondLst>
+                                        </p:cTn>
+                                        <p:tgtEl>
+                                          <p:spTgt spid="72"/>
+                                        </p:tgtEl>
+                                        <p:attrNameLst>
+                                          <p:attrName>style.visibility</p:attrName>
+                                        </p:attrNameLst>
+                                      </p:cBhvr>
+                                      <p:to>
+                                        <p:strVal val="visible"/>
+                                      </p:to>
+                                    </p:set>
+                                  </p:childTnLst>
+                                </p:cTn>
+                              </p:par>
+                              <p:par>
+                                <p:cTn id="58" presetID="1" presetClass="entr" presetSubtype="0" fill="hold" grpId="0" nodeType="withEffect">
+                                  <p:stCondLst>
+                                    <p:cond delay="0"/>
+                                  </p:stCondLst>
+                                  <p:childTnLst>
+                                    <p:set>
+                                      <p:cBhvr>
+                                        <p:cTn id="59" dur="1" fill="hold">
+                                          <p:stCondLst>
+                                            <p:cond delay="0"/>
+                                          </p:stCondLst>
+                                        </p:cTn>
+                                        <p:tgtEl>
+                                          <p:spTgt spid="73"/>
+                                        </p:tgtEl>
+                                        <p:attrNameLst>
+                                          <p:attrName>style.visibility</p:attrName>
+                                        </p:attrNameLst>
+                                      </p:cBhvr>
+                                      <p:to>
+                                        <p:strVal val="visible"/>
+                                      </p:to>
+                                    </p:set>
+                                  </p:childTnLst>
+                                </p:cTn>
+                              </p:par>
+                              <p:par>
+                                <p:cTn id="60" presetID="1" presetClass="entr" presetSubtype="0" fill="hold" grpId="0" nodeType="withEffect">
+                                  <p:stCondLst>
+                                    <p:cond delay="0"/>
+                                  </p:stCondLst>
+                                  <p:childTnLst>
+                                    <p:set>
+                                      <p:cBhvr>
+                                        <p:cTn id="61" dur="1" fill="hold">
+                                          <p:stCondLst>
+                                            <p:cond delay="0"/>
+                                          </p:stCondLst>
+                                        </p:cTn>
+                                        <p:tgtEl>
+                                          <p:spTgt spid="74"/>
+                                        </p:tgtEl>
+                                        <p:attrNameLst>
+                                          <p:attrName>style.visibility</p:attrName>
+                                        </p:attrNameLst>
+                                      </p:cBhvr>
+                                      <p:to>
+                                        <p:strVal val="visible"/>
+                                      </p:to>
+                                    </p:set>
+                                  </p:childTnLst>
+                                </p:cTn>
+                              </p:par>
+                              <p:par>
+                                <p:cTn id="62" presetID="1" presetClass="entr" presetSubtype="0" fill="hold" nodeType="withEffect">
+                                  <p:stCondLst>
+                                    <p:cond delay="0"/>
+                                  </p:stCondLst>
+                                  <p:childTnLst>
+                                    <p:set>
+                                      <p:cBhvr>
+                                        <p:cTn id="63" dur="1" fill="hold">
+                                          <p:stCondLst>
+                                            <p:cond delay="0"/>
+                                          </p:stCondLst>
+                                        </p:cTn>
+                                        <p:tgtEl>
+                                          <p:spTgt spid="75"/>
+                                        </p:tgtEl>
+                                        <p:attrNameLst>
+                                          <p:attrName>style.visibility</p:attrName>
+                                        </p:attrNameLst>
+                                      </p:cBhvr>
+                                      <p:to>
+                                        <p:strVal val="visible"/>
+                                      </p:to>
+                                    </p:set>
+                                  </p:childTnLst>
+                                </p:cTn>
+                              </p:par>
+                              <p:par>
+                                <p:cTn id="64" presetID="1" presetClass="entr" presetSubtype="0" fill="hold" nodeType="withEffect">
+                                  <p:stCondLst>
+                                    <p:cond delay="0"/>
+                                  </p:stCondLst>
+                                  <p:childTnLst>
+                                    <p:set>
+                                      <p:cBhvr>
+                                        <p:cTn id="65" dur="1" fill="hold">
+                                          <p:stCondLst>
+                                            <p:cond delay="0"/>
+                                          </p:stCondLst>
+                                        </p:cTn>
+                                        <p:tgtEl>
+                                          <p:spTgt spid="76"/>
+                                        </p:tgtEl>
+                                        <p:attrNameLst>
+                                          <p:attrName>style.visibility</p:attrName>
+                                        </p:attrNameLst>
+                                      </p:cBhvr>
+                                      <p:to>
+                                        <p:strVal val="visible"/>
+                                      </p:to>
+                                    </p:set>
+                                  </p:childTnLst>
+                                </p:cTn>
+                              </p:par>
+                              <p:par>
+                                <p:cTn id="66" presetID="1" presetClass="entr" presetSubtype="0" fill="hold" nodeType="withEffect">
+                                  <p:stCondLst>
+                                    <p:cond delay="0"/>
+                                  </p:stCondLst>
+                                  <p:childTnLst>
+                                    <p:set>
+                                      <p:cBhvr>
+                                        <p:cTn id="67" dur="1" fill="hold">
+                                          <p:stCondLst>
+                                            <p:cond delay="0"/>
+                                          </p:stCondLst>
+                                        </p:cTn>
+                                        <p:tgtEl>
+                                          <p:spTgt spid="77"/>
+                                        </p:tgtEl>
+                                        <p:attrNameLst>
+                                          <p:attrName>style.visibility</p:attrName>
+                                        </p:attrNameLst>
+                                      </p:cBhvr>
+                                      <p:to>
+                                        <p:strVal val="visible"/>
+                                      </p:to>
+                                    </p:set>
+                                  </p:childTnLst>
+                                </p:cTn>
+                              </p:par>
+                              <p:par>
+                                <p:cTn id="68" presetID="1" presetClass="entr" presetSubtype="0" fill="hold" nodeType="withEffect">
+                                  <p:stCondLst>
+                                    <p:cond delay="0"/>
+                                  </p:stCondLst>
+                                  <p:childTnLst>
+                                    <p:set>
+                                      <p:cBhvr>
+                                        <p:cTn id="69" dur="1" fill="hold">
+                                          <p:stCondLst>
+                                            <p:cond delay="0"/>
+                                          </p:stCondLst>
+                                        </p:cTn>
+                                        <p:tgtEl>
+                                          <p:spTgt spid="78"/>
+                                        </p:tgtEl>
+                                        <p:attrNameLst>
+                                          <p:attrName>style.visibility</p:attrName>
+                                        </p:attrNameLst>
+                                      </p:cBhvr>
+                                      <p:to>
+                                        <p:strVal val="visible"/>
+                                      </p:to>
+                                    </p:set>
+                                  </p:childTnLst>
+                                </p:cTn>
+                              </p:par>
+                              <p:par>
+                                <p:cTn id="70" presetID="1" presetClass="entr" presetSubtype="0" fill="hold" grpId="0" nodeType="withEffect">
+                                  <p:stCondLst>
+                                    <p:cond delay="0"/>
+                                  </p:stCondLst>
+                                  <p:childTnLst>
+                                    <p:set>
+                                      <p:cBhvr>
+                                        <p:cTn id="71" dur="1" fill="hold">
+                                          <p:stCondLst>
+                                            <p:cond delay="0"/>
+                                          </p:stCondLst>
+                                        </p:cTn>
+                                        <p:tgtEl>
+                                          <p:spTgt spid="79"/>
+                                        </p:tgtEl>
+                                        <p:attrNameLst>
+                                          <p:attrName>style.visibility</p:attrName>
+                                        </p:attrNameLst>
+                                      </p:cBhvr>
+                                      <p:to>
+                                        <p:strVal val="visible"/>
+                                      </p:to>
+                                    </p:set>
+                                  </p:childTnLst>
+                                </p:cTn>
+                              </p:par>
+                              <p:par>
+                                <p:cTn id="72" presetID="1" presetClass="entr" presetSubtype="0" fill="hold" nodeType="withEffect">
+                                  <p:stCondLst>
+                                    <p:cond delay="0"/>
+                                  </p:stCondLst>
+                                  <p:childTnLst>
+                                    <p:set>
+                                      <p:cBhvr>
+                                        <p:cTn id="73" dur="1" fill="hold">
+                                          <p:stCondLst>
+                                            <p:cond delay="0"/>
+                                          </p:stCondLst>
+                                        </p:cTn>
+                                        <p:tgtEl>
+                                          <p:spTgt spid="80"/>
+                                        </p:tgtEl>
+                                        <p:attrNameLst>
+                                          <p:attrName>style.visibility</p:attrName>
+                                        </p:attrNameLst>
+                                      </p:cBhvr>
+                                      <p:to>
+                                        <p:strVal val="visible"/>
+                                      </p:to>
+                                    </p:set>
+                                  </p:childTnLst>
+                                </p:cTn>
+                              </p:par>
+                              <p:par>
+                                <p:cTn id="74" presetID="1" presetClass="entr" presetSubtype="0" fill="hold" grpId="0" nodeType="withEffect">
+                                  <p:stCondLst>
+                                    <p:cond delay="0"/>
+                                  </p:stCondLst>
+                                  <p:childTnLst>
+                                    <p:set>
+                                      <p:cBhvr>
+                                        <p:cTn id="75" dur="1" fill="hold">
+                                          <p:stCondLst>
+                                            <p:cond delay="0"/>
+                                          </p:stCondLst>
+                                        </p:cTn>
+                                        <p:tgtEl>
+                                          <p:spTgt spid="81"/>
+                                        </p:tgtEl>
+                                        <p:attrNameLst>
+                                          <p:attrName>style.visibility</p:attrName>
+                                        </p:attrNameLst>
+                                      </p:cBhvr>
+                                      <p:to>
+                                        <p:strVal val="visible"/>
+                                      </p:to>
+                                    </p:set>
+                                  </p:childTnLst>
+                                </p:cTn>
+                              </p:par>
+                              <p:par>
+                                <p:cTn id="76" presetID="1" presetClass="entr" presetSubtype="0" fill="hold" nodeType="withEffect">
+                                  <p:stCondLst>
+                                    <p:cond delay="0"/>
+                                  </p:stCondLst>
+                                  <p:childTnLst>
+                                    <p:set>
+                                      <p:cBhvr>
+                                        <p:cTn id="77" dur="1" fill="hold">
+                                          <p:stCondLst>
+                                            <p:cond delay="0"/>
+                                          </p:stCondLst>
+                                        </p:cTn>
+                                        <p:tgtEl>
+                                          <p:spTgt spid="82"/>
+                                        </p:tgtEl>
+                                        <p:attrNameLst>
+                                          <p:attrName>style.visibility</p:attrName>
+                                        </p:attrNameLst>
+                                      </p:cBhvr>
+                                      <p:to>
+                                        <p:strVal val="visible"/>
+                                      </p:to>
+                                    </p:set>
+                                  </p:childTnLst>
+                                </p:cTn>
+                              </p:par>
+                              <p:par>
+                                <p:cTn id="78" presetID="1" presetClass="entr" presetSubtype="0" fill="hold" grpId="0" nodeType="withEffect">
+                                  <p:stCondLst>
+                                    <p:cond delay="0"/>
+                                  </p:stCondLst>
+                                  <p:childTnLst>
+                                    <p:set>
+                                      <p:cBhvr>
+                                        <p:cTn id="79" dur="1" fill="hold">
+                                          <p:stCondLst>
+                                            <p:cond delay="0"/>
+                                          </p:stCondLst>
+                                        </p:cTn>
+                                        <p:tgtEl>
+                                          <p:spTgt spid="83"/>
+                                        </p:tgtEl>
+                                        <p:attrNameLst>
+                                          <p:attrName>style.visibility</p:attrName>
+                                        </p:attrNameLst>
+                                      </p:cBhvr>
+                                      <p:to>
+                                        <p:strVal val="visible"/>
+                                      </p:to>
+                                    </p:set>
+                                  </p:childTnLst>
+                                </p:cTn>
+                              </p:par>
+                            </p:childTnLst>
+                          </p:cTn>
+                        </p:par>
+                      </p:childTnLst>
+                    </p:cTn>
+                  </p:par>
+                  <p:par>
+                    <p:cTn id="80" fill="hold">
+                      <p:stCondLst>
+                        <p:cond delay="indefinite"/>
+                      </p:stCondLst>
+                      <p:childTnLst>
+                        <p:par>
+                          <p:cTn id="81" fill="hold">
+                            <p:stCondLst>
+                              <p:cond delay="0"/>
+                            </p:stCondLst>
+                            <p:childTnLst>
+                              <p:par>
+                                <p:cTn id="82" presetID="1" presetClass="entr" presetSubtype="0" fill="hold" grpId="0" nodeType="clickEffect">
+                                  <p:stCondLst>
+                                    <p:cond delay="0"/>
+                                  </p:stCondLst>
+                                  <p:childTnLst>
+                                    <p:set>
+                                      <p:cBhvr>
+                                        <p:cTn id="83" dur="1" fill="hold">
+                                          <p:stCondLst>
+                                            <p:cond delay="0"/>
+                                          </p:stCondLst>
+                                        </p:cTn>
+                                        <p:tgtEl>
+                                          <p:spTgt spid="56"/>
+                                        </p:tgtEl>
+                                        <p:attrNameLst>
+                                          <p:attrName>style.visibility</p:attrName>
+                                        </p:attrNameLst>
+                                      </p:cBhvr>
+                                      <p:to>
+                                        <p:strVal val="visible"/>
+                                      </p:to>
+                                    </p:set>
+                                  </p:childTnLst>
+                                </p:cTn>
+                              </p:par>
+                              <p:par>
+                                <p:cTn id="84" presetID="1" presetClass="entr" presetSubtype="0" fill="hold" grpId="0" nodeType="withEffect">
+                                  <p:stCondLst>
+                                    <p:cond delay="0"/>
+                                  </p:stCondLst>
+                                  <p:childTnLst>
+                                    <p:set>
+                                      <p:cBhvr>
+                                        <p:cTn id="85" dur="1" fill="hold">
+                                          <p:stCondLst>
+                                            <p:cond delay="0"/>
+                                          </p:stCondLst>
+                                        </p:cTn>
+                                        <p:tgtEl>
+                                          <p:spTgt spid="58"/>
+                                        </p:tgtEl>
+                                        <p:attrNameLst>
+                                          <p:attrName>style.visibility</p:attrName>
+                                        </p:attrNameLst>
+                                      </p:cBhvr>
+                                      <p:to>
+                                        <p:strVal val="visible"/>
+                                      </p:to>
+                                    </p:set>
+                                  </p:childTnLst>
+                                </p:cTn>
+                              </p:par>
+                              <p:par>
+                                <p:cTn id="86" presetID="1" presetClass="entr" presetSubtype="0" fill="hold" grpId="0" nodeType="withEffect">
+                                  <p:stCondLst>
+                                    <p:cond delay="0"/>
+                                  </p:stCondLst>
+                                  <p:childTnLst>
+                                    <p:set>
+                                      <p:cBhvr>
+                                        <p:cTn id="87" dur="1" fill="hold">
+                                          <p:stCondLst>
+                                            <p:cond delay="0"/>
+                                          </p:stCondLst>
+                                        </p:cTn>
+                                        <p:tgtEl>
+                                          <p:spTgt spid="57"/>
+                                        </p:tgtEl>
+                                        <p:attrNameLst>
+                                          <p:attrName>style.visibility</p:attrName>
+                                        </p:attrNameLst>
+                                      </p:cBhvr>
+                                      <p:to>
+                                        <p:strVal val="visible"/>
+                                      </p:to>
+                                    </p:set>
                                   </p:childTnLst>
                                 </p:cTn>
                               </p:par>
@@ -18228,8 +19766,28 @@
       </p:par>
     </p:tnLst>
     <p:bldLst>
-      <p:bldP spid="2" grpId="0"/>
       <p:bldP spid="5" grpId="0" animBg="1"/>
+      <p:bldP spid="85" grpId="0" animBg="1"/>
+      <p:bldP spid="47" grpId="0" animBg="1"/>
+      <p:bldP spid="48" grpId="0" animBg="1"/>
+      <p:bldP spid="49" grpId="0" animBg="1"/>
+      <p:bldP spid="50" grpId="0" animBg="1"/>
+      <p:bldP spid="51" grpId="0" animBg="1"/>
+      <p:bldP spid="56" grpId="0" animBg="1"/>
+      <p:bldP spid="57" grpId="0" animBg="1"/>
+      <p:bldP spid="58" grpId="0" animBg="1"/>
+      <p:bldP spid="59" grpId="0" animBg="1"/>
+      <p:bldP spid="61" grpId="0" animBg="1"/>
+      <p:bldP spid="63" grpId="0" animBg="1"/>
+      <p:bldP spid="68" grpId="0" animBg="1"/>
+      <p:bldP spid="70" grpId="0" animBg="1"/>
+      <p:bldP spid="71" grpId="0" animBg="1"/>
+      <p:bldP spid="72" grpId="0" animBg="1"/>
+      <p:bldP spid="73" grpId="0" animBg="1"/>
+      <p:bldP spid="74" grpId="0" animBg="1"/>
+      <p:bldP spid="79" grpId="0" animBg="1"/>
+      <p:bldP spid="81" grpId="0" animBg="1"/>
+      <p:bldP spid="83" grpId="0" animBg="1"/>
     </p:bldLst>
   </p:timing>
 </p:sld>
@@ -18386,9 +19944,9 @@
                             </p:stCondLst>
                             <p:childTnLst>
                               <p:par>
-                                <p:cTn id="5" presetID="10" presetClass="entr" presetSubtype="0" fill="hold" grpId="0" nodeType="clickEffect">
+                                <p:cTn id="5" presetID="10" presetClass="entr" presetSubtype="0" fill="hold" nodeType="clickEffect">
                                   <p:stCondLst>
-                                    <p:cond delay="0"/>
+                                    <p:cond delay="1000"/>
                                   </p:stCondLst>
                                   <p:childTnLst>
                                     <p:set>
@@ -18399,7 +19957,11 @@
                                           </p:stCondLst>
                                         </p:cTn>
                                         <p:tgtEl>
-                                          <p:spTgt spid="2"/>
+                                          <p:spTgt spid="3">
+                                            <p:txEl>
+                                              <p:pRg st="0" end="0"/>
+                                            </p:txEl>
+                                          </p:spTgt>
                                         </p:tgtEl>
                                         <p:attrNameLst>
                                           <p:attrName>style.visibility</p:attrName>
@@ -18413,7 +19975,11 @@
                                       <p:cBhvr>
                                         <p:cTn id="7" dur="500"/>
                                         <p:tgtEl>
-                                          <p:spTgt spid="2"/>
+                                          <p:spTgt spid="3">
+                                            <p:txEl>
+                                              <p:pRg st="0" end="0"/>
+                                            </p:txEl>
+                                          </p:spTgt>
                                         </p:tgtEl>
                                       </p:cBhvr>
                                     </p:animEffect>
@@ -18439,57 +20005,14 @@
                             </p:stCondLst>
                             <p:childTnLst>
                               <p:par>
-                                <p:cTn id="10" presetID="10" presetClass="entr" presetSubtype="0" fill="hold" nodeType="clickEffect">
+                                <p:cTn id="10" presetID="1" presetClass="entr" presetSubtype="0" fill="hold" nodeType="clickEffect">
                                   <p:stCondLst>
-                                    <p:cond delay="1000"/>
+                                    <p:cond delay="0"/>
                                   </p:stCondLst>
                                   <p:childTnLst>
                                     <p:set>
                                       <p:cBhvr>
                                         <p:cTn id="11" dur="1" fill="hold">
-                                          <p:stCondLst>
-                                            <p:cond delay="0"/>
-                                          </p:stCondLst>
-                                        </p:cTn>
-                                        <p:tgtEl>
-                                          <p:spTgt spid="3">
-                                            <p:txEl>
-                                              <p:pRg st="0" end="0"/>
-                                            </p:txEl>
-                                          </p:spTgt>
-                                        </p:tgtEl>
-                                        <p:attrNameLst>
-                                          <p:attrName>style.visibility</p:attrName>
-                                        </p:attrNameLst>
-                                      </p:cBhvr>
-                                      <p:to>
-                                        <p:strVal val="visible"/>
-                                      </p:to>
-                                    </p:set>
-                                    <p:animEffect transition="in" filter="fade">
-                                      <p:cBhvr>
-                                        <p:cTn id="12" dur="500"/>
-                                        <p:tgtEl>
-                                          <p:spTgt spid="3">
-                                            <p:txEl>
-                                              <p:pRg st="0" end="0"/>
-                                            </p:txEl>
-                                          </p:spTgt>
-                                        </p:tgtEl>
-                                      </p:cBhvr>
-                                    </p:animEffect>
-                                  </p:childTnLst>
-                                </p:cTn>
-                              </p:par>
-                              <p:par>
-                                <p:cTn id="13" presetID="10" presetClass="entr" presetSubtype="0" fill="hold" nodeType="withEffect">
-                                  <p:stCondLst>
-                                    <p:cond delay="1000"/>
-                                  </p:stCondLst>
-                                  <p:childTnLst>
-                                    <p:set>
-                                      <p:cBhvr>
-                                        <p:cTn id="14" dur="1" fill="hold">
                                           <p:stCondLst>
                                             <p:cond delay="0"/>
                                           </p:stCondLst>
@@ -18509,18 +20032,6 @@
                                         <p:strVal val="visible"/>
                                       </p:to>
                                     </p:set>
-                                    <p:animEffect transition="in" filter="fade">
-                                      <p:cBhvr>
-                                        <p:cTn id="15" dur="500"/>
-                                        <p:tgtEl>
-                                          <p:spTgt spid="3">
-                                            <p:txEl>
-                                              <p:pRg st="2" end="2"/>
-                                            </p:txEl>
-                                          </p:spTgt>
-                                        </p:tgtEl>
-                                      </p:cBhvr>
-                                    </p:animEffect>
                                   </p:childTnLst>
                                 </p:cTn>
                               </p:par>
@@ -18551,9 +20062,6 @@
         </p:cTn>
       </p:par>
     </p:tnLst>
-    <p:bldLst>
-      <p:bldP spid="2" grpId="0"/>
-    </p:bldLst>
   </p:timing>
 </p:sld>
 </file>
@@ -18613,7 +20121,7 @@
         </p:nvSpPr>
         <p:spPr>
           <a:xfrm>
-            <a:off x="187890" y="1974102"/>
+            <a:off x="432148" y="1949050"/>
             <a:ext cx="5824603" cy="4726004"/>
           </a:xfrm>
           <a:prstGeom prst="rect">
@@ -19037,14 +20545,104 @@
                             </p:stCondLst>
                             <p:childTnLst>
                               <p:par>
-                                <p:cTn id="10" presetID="10" presetClass="entr" presetSubtype="0" fill="hold" nodeType="clickEffect">
+                                <p:cTn id="10" presetID="1" presetClass="entr" presetSubtype="0" fill="hold" nodeType="clickEffect">
                                   <p:stCondLst>
-                                    <p:cond delay="1000"/>
+                                    <p:cond delay="0"/>
                                   </p:stCondLst>
                                   <p:childTnLst>
                                     <p:set>
                                       <p:cBhvr>
                                         <p:cTn id="11" dur="1" fill="hold">
+                                          <p:stCondLst>
+                                            <p:cond delay="0"/>
+                                          </p:stCondLst>
+                                        </p:cTn>
+                                        <p:tgtEl>
+                                          <p:spTgt spid="5"/>
+                                        </p:tgtEl>
+                                        <p:attrNameLst>
+                                          <p:attrName>style.visibility</p:attrName>
+                                        </p:attrNameLst>
+                                      </p:cBhvr>
+                                      <p:to>
+                                        <p:strVal val="visible"/>
+                                      </p:to>
+                                    </p:set>
+                                  </p:childTnLst>
+                                </p:cTn>
+                              </p:par>
+                            </p:childTnLst>
+                          </p:cTn>
+                        </p:par>
+                      </p:childTnLst>
+                    </p:cTn>
+                  </p:par>
+                  <p:par>
+                    <p:cTn id="12" fill="hold">
+                      <p:stCondLst>
+                        <p:cond delay="indefinite"/>
+                      </p:stCondLst>
+                      <p:childTnLst>
+                        <p:par>
+                          <p:cTn id="13" fill="hold">
+                            <p:stCondLst>
+                              <p:cond delay="0"/>
+                            </p:stCondLst>
+                            <p:childTnLst>
+                              <p:par>
+                                <p:cTn id="14" presetID="1" presetClass="entr" presetSubtype="0" fill="hold" grpId="0" nodeType="clickEffect">
+                                  <p:stCondLst>
+                                    <p:cond delay="0"/>
+                                  </p:stCondLst>
+                                  <p:childTnLst>
+                                    <p:set>
+                                      <p:cBhvr>
+                                        <p:cTn id="15" dur="1" fill="hold">
+                                          <p:stCondLst>
+                                            <p:cond delay="0"/>
+                                          </p:stCondLst>
+                                        </p:cTn>
+                                        <p:tgtEl>
+                                          <p:spTgt spid="7"/>
+                                        </p:tgtEl>
+                                        <p:attrNameLst>
+                                          <p:attrName>style.visibility</p:attrName>
+                                        </p:attrNameLst>
+                                      </p:cBhvr>
+                                      <p:to>
+                                        <p:strVal val="visible"/>
+                                      </p:to>
+                                    </p:set>
+                                  </p:childTnLst>
+                                </p:cTn>
+                              </p:par>
+                            </p:childTnLst>
+                          </p:cTn>
+                        </p:par>
+                      </p:childTnLst>
+                    </p:cTn>
+                  </p:par>
+                  <p:par>
+                    <p:cTn id="16" fill="hold">
+                      <p:stCondLst>
+                        <p:cond delay="indefinite"/>
+                      </p:stCondLst>
+                      <p:childTnLst>
+                        <p:par>
+                          <p:cTn id="17" fill="hold">
+                            <p:stCondLst>
+                              <p:cond delay="0"/>
+                            </p:stCondLst>
+                            <p:childTnLst>
+                              <p:par>
+                                <p:cTn id="18" presetID="1" presetClass="entr" presetSubtype="0" fill="hold" nodeType="clickEffect">
+                                  <p:stCondLst>
+                                    <p:cond delay="0"/>
+                                  </p:stCondLst>
+                                  <p:childTnLst>
+                                    <p:set>
+                                      <p:cBhvr>
+                                        <p:cTn id="19" dur="1" fill="hold">
                                           <p:stCondLst>
                                             <p:cond delay="0"/>
                                           </p:stCondLst>
@@ -19064,30 +20662,36 @@
                                         <p:strVal val="visible"/>
                                       </p:to>
                                     </p:set>
-                                    <p:animEffect transition="in" filter="fade">
-                                      <p:cBhvr>
-                                        <p:cTn id="12" dur="500"/>
-                                        <p:tgtEl>
-                                          <p:spTgt spid="3">
-                                            <p:txEl>
-                                              <p:pRg st="0" end="0"/>
-                                            </p:txEl>
-                                          </p:spTgt>
-                                        </p:tgtEl>
-                                      </p:cBhvr>
-                                    </p:animEffect>
                                   </p:childTnLst>
                                 </p:cTn>
                               </p:par>
+                            </p:childTnLst>
+                          </p:cTn>
+                        </p:par>
+                      </p:childTnLst>
+                    </p:cTn>
+                  </p:par>
+                  <p:par>
+                    <p:cTn id="20" fill="hold">
+                      <p:stCondLst>
+                        <p:cond delay="indefinite"/>
+                      </p:stCondLst>
+                      <p:childTnLst>
+                        <p:par>
+                          <p:cTn id="21" fill="hold">
+                            <p:stCondLst>
+                              <p:cond delay="0"/>
+                            </p:stCondLst>
+                            <p:childTnLst>
                               <p:par>
-                                <p:cTn id="13" presetID="10" presetClass="entr" presetSubtype="0" fill="hold" nodeType="withEffect">
+                                <p:cTn id="22" presetID="1" presetClass="entr" presetSubtype="0" fill="hold" nodeType="clickEffect">
                                   <p:stCondLst>
                                     <p:cond delay="0"/>
                                   </p:stCondLst>
                                   <p:childTnLst>
                                     <p:set>
                                       <p:cBhvr>
-                                        <p:cTn id="14" dur="1" fill="hold">
+                                        <p:cTn id="23" dur="1" fill="hold">
                                           <p:stCondLst>
                                             <p:cond delay="0"/>
                                           </p:stCondLst>
@@ -19107,30 +20711,18 @@
                                         <p:strVal val="visible"/>
                                       </p:to>
                                     </p:set>
-                                    <p:animEffect transition="in" filter="fade">
-                                      <p:cBhvr>
-                                        <p:cTn id="15" dur="500"/>
-                                        <p:tgtEl>
-                                          <p:spTgt spid="3">
-                                            <p:txEl>
-                                              <p:pRg st="1" end="1"/>
-                                            </p:txEl>
-                                          </p:spTgt>
-                                        </p:tgtEl>
-                                      </p:cBhvr>
-                                    </p:animEffect>
                                   </p:childTnLst>
                                 </p:cTn>
                               </p:par>
                               <p:par>
-                                <p:cTn id="16" presetID="10" presetClass="entr" presetSubtype="0" fill="hold" nodeType="withEffect">
+                                <p:cTn id="24" presetID="1" presetClass="entr" presetSubtype="0" fill="hold" nodeType="withEffect">
                                   <p:stCondLst>
-                                    <p:cond delay="2000"/>
+                                    <p:cond delay="0"/>
                                   </p:stCondLst>
                                   <p:childTnLst>
                                     <p:set>
                                       <p:cBhvr>
-                                        <p:cTn id="17" dur="1" fill="hold">
+                                        <p:cTn id="25" dur="1" fill="hold">
                                           <p:stCondLst>
                                             <p:cond delay="0"/>
                                           </p:stCondLst>
@@ -19150,18 +20742,6 @@
                                         <p:strVal val="visible"/>
                                       </p:to>
                                     </p:set>
-                                    <p:animEffect transition="in" filter="fade">
-                                      <p:cBhvr>
-                                        <p:cTn id="18" dur="500"/>
-                                        <p:tgtEl>
-                                          <p:spTgt spid="3">
-                                            <p:txEl>
-                                              <p:pRg st="2" end="2"/>
-                                            </p:txEl>
-                                          </p:spTgt>
-                                        </p:tgtEl>
-                                      </p:cBhvr>
-                                    </p:animEffect>
                                   </p:childTnLst>
                                 </p:cTn>
                               </p:par>
@@ -19172,26 +20752,26 @@
                     </p:cTn>
                   </p:par>
                   <p:par>
-                    <p:cTn id="19" fill="hold">
+                    <p:cTn id="26" fill="hold">
                       <p:stCondLst>
                         <p:cond delay="indefinite"/>
                       </p:stCondLst>
                       <p:childTnLst>
                         <p:par>
-                          <p:cTn id="20" fill="hold">
+                          <p:cTn id="27" fill="hold">
                             <p:stCondLst>
                               <p:cond delay="0"/>
                             </p:stCondLst>
                             <p:childTnLst>
                               <p:par>
-                                <p:cTn id="21" presetID="10" presetClass="entr" presetSubtype="0" fill="hold" nodeType="clickEffect">
+                                <p:cTn id="28" presetID="10" presetClass="entr" presetSubtype="0" fill="hold" nodeType="clickEffect">
                                   <p:stCondLst>
                                     <p:cond delay="0"/>
                                   </p:stCondLst>
                                   <p:childTnLst>
                                     <p:set>
                                       <p:cBhvr>
-                                        <p:cTn id="22" dur="1" fill="hold">
+                                        <p:cTn id="29" dur="1" fill="hold">
                                           <p:stCondLst>
                                             <p:cond delay="0"/>
                                           </p:stCondLst>
@@ -19213,7 +20793,7 @@
                                     </p:set>
                                     <p:animEffect transition="in" filter="fade">
                                       <p:cBhvr>
-                                        <p:cTn id="23" dur="500"/>
+                                        <p:cTn id="30" dur="500"/>
                                         <p:tgtEl>
                                           <p:spTgt spid="3">
                                             <p:txEl>
@@ -19255,6 +20835,7 @@
     </p:tnLst>
     <p:bldLst>
       <p:bldP spid="2" grpId="0"/>
+      <p:bldP spid="7" grpId="0"/>
     </p:bldLst>
   </p:timing>
 </p:sld>
@@ -19690,7 +21271,7 @@
                             </p:stCondLst>
                             <p:childTnLst>
                               <p:par>
-                                <p:cTn id="5" presetID="10" presetClass="entr" presetSubtype="0" fill="hold" grpId="0" nodeType="clickEffect">
+                                <p:cTn id="5" presetID="1" presetClass="entr" presetSubtype="0" fill="hold" nodeType="clickEffect">
                                   <p:stCondLst>
                                     <p:cond delay="0"/>
                                   </p:stCondLst>
@@ -19703,7 +21284,7 @@
                                           </p:stCondLst>
                                         </p:cTn>
                                         <p:tgtEl>
-                                          <p:spTgt spid="2"/>
+                                          <p:spTgt spid="1028"/>
                                         </p:tgtEl>
                                         <p:attrNameLst>
                                           <p:attrName>style.visibility</p:attrName>
@@ -19713,14 +21294,33 @@
                                         <p:strVal val="visible"/>
                                       </p:to>
                                     </p:set>
-                                    <p:animEffect transition="in" filter="fade">
+                                  </p:childTnLst>
+                                </p:cTn>
+                              </p:par>
+                              <p:par>
+                                <p:cTn id="7" presetID="1" presetClass="entr" presetSubtype="0" fill="hold" grpId="0" nodeType="withEffect">
+                                  <p:stCondLst>
+                                    <p:cond delay="0"/>
+                                  </p:stCondLst>
+                                  <p:childTnLst>
+                                    <p:set>
                                       <p:cBhvr>
-                                        <p:cTn id="7" dur="500"/>
+                                        <p:cTn id="8" dur="1" fill="hold">
+                                          <p:stCondLst>
+                                            <p:cond delay="0"/>
+                                          </p:stCondLst>
+                                        </p:cTn>
                                         <p:tgtEl>
-                                          <p:spTgt spid="2"/>
+                                          <p:spTgt spid="6"/>
                                         </p:tgtEl>
+                                        <p:attrNameLst>
+                                          <p:attrName>style.visibility</p:attrName>
+                                        </p:attrNameLst>
                                       </p:cBhvr>
-                                    </p:animEffect>
+                                      <p:to>
+                                        <p:strVal val="visible"/>
+                                      </p:to>
+                                    </p:set>
                                   </p:childTnLst>
                                 </p:cTn>
                               </p:par>
@@ -19731,26 +21331,26 @@
                     </p:cTn>
                   </p:par>
                   <p:par>
-                    <p:cTn id="8" fill="hold">
+                    <p:cTn id="9" fill="hold">
                       <p:stCondLst>
                         <p:cond delay="indefinite"/>
                       </p:stCondLst>
                       <p:childTnLst>
                         <p:par>
-                          <p:cTn id="9" fill="hold">
+                          <p:cTn id="10" fill="hold">
                             <p:stCondLst>
                               <p:cond delay="0"/>
                             </p:stCondLst>
                             <p:childTnLst>
                               <p:par>
-                                <p:cTn id="10" presetID="10" presetClass="entr" presetSubtype="0" fill="hold" nodeType="clickEffect">
+                                <p:cTn id="11" presetID="10" presetClass="entr" presetSubtype="0" fill="hold" nodeType="clickEffect">
                                   <p:stCondLst>
                                     <p:cond delay="500"/>
                                   </p:stCondLst>
                                   <p:childTnLst>
                                     <p:set>
                                       <p:cBhvr>
-                                        <p:cTn id="11" dur="1" fill="hold">
+                                        <p:cTn id="12" dur="1" fill="hold">
                                           <p:stCondLst>
                                             <p:cond delay="0"/>
                                           </p:stCondLst>
@@ -19772,7 +21372,7 @@
                                     </p:set>
                                     <p:animEffect transition="in" filter="fade">
                                       <p:cBhvr>
-                                        <p:cTn id="12" dur="500"/>
+                                        <p:cTn id="13" dur="500"/>
                                         <p:tgtEl>
                                           <p:spTgt spid="3">
                                             <p:txEl>
@@ -19792,26 +21392,26 @@
                     </p:cTn>
                   </p:par>
                   <p:par>
-                    <p:cTn id="13" fill="hold">
+                    <p:cTn id="14" fill="hold">
                       <p:stCondLst>
                         <p:cond delay="indefinite"/>
                       </p:stCondLst>
                       <p:childTnLst>
                         <p:par>
-                          <p:cTn id="14" fill="hold">
+                          <p:cTn id="15" fill="hold">
                             <p:stCondLst>
                               <p:cond delay="0"/>
                             </p:stCondLst>
                             <p:childTnLst>
                               <p:par>
-                                <p:cTn id="15" presetID="10" presetClass="entr" presetSubtype="0" fill="hold" nodeType="clickEffect">
+                                <p:cTn id="16" presetID="10" presetClass="entr" presetSubtype="0" fill="hold" nodeType="clickEffect">
                                   <p:stCondLst>
                                     <p:cond delay="1000"/>
                                   </p:stCondLst>
                                   <p:childTnLst>
                                     <p:set>
                                       <p:cBhvr>
-                                        <p:cTn id="16" dur="1" fill="hold">
+                                        <p:cTn id="17" dur="1" fill="hold">
                                           <p:stCondLst>
                                             <p:cond delay="0"/>
                                           </p:stCondLst>
@@ -19833,7 +21433,7 @@
                                     </p:set>
                                     <p:animEffect transition="in" filter="fade">
                                       <p:cBhvr>
-                                        <p:cTn id="17" dur="500"/>
+                                        <p:cTn id="18" dur="500"/>
                                         <p:tgtEl>
                                           <p:spTgt spid="3">
                                             <p:txEl>
@@ -19853,26 +21453,26 @@
                     </p:cTn>
                   </p:par>
                   <p:par>
-                    <p:cTn id="18" fill="hold">
+                    <p:cTn id="19" fill="hold">
                       <p:stCondLst>
                         <p:cond delay="indefinite"/>
                       </p:stCondLst>
                       <p:childTnLst>
                         <p:par>
-                          <p:cTn id="19" fill="hold">
+                          <p:cTn id="20" fill="hold">
                             <p:stCondLst>
                               <p:cond delay="0"/>
                             </p:stCondLst>
                             <p:childTnLst>
                               <p:par>
-                                <p:cTn id="20" presetID="10" presetClass="entr" presetSubtype="0" fill="hold" nodeType="clickEffect">
+                                <p:cTn id="21" presetID="10" presetClass="entr" presetSubtype="0" fill="hold" nodeType="clickEffect">
                                   <p:stCondLst>
                                     <p:cond delay="1500"/>
                                   </p:stCondLst>
                                   <p:childTnLst>
                                     <p:set>
                                       <p:cBhvr>
-                                        <p:cTn id="21" dur="1" fill="hold">
+                                        <p:cTn id="22" dur="1" fill="hold">
                                           <p:stCondLst>
                                             <p:cond delay="0"/>
                                           </p:stCondLst>
@@ -19894,7 +21494,7 @@
                                     </p:set>
                                     <p:animEffect transition="in" filter="fade">
                                       <p:cBhvr>
-                                        <p:cTn id="22" dur="500"/>
+                                        <p:cTn id="23" dur="500"/>
                                         <p:tgtEl>
                                           <p:spTgt spid="3">
                                             <p:txEl>
@@ -19935,7 +21535,7 @@
       </p:par>
     </p:tnLst>
     <p:bldLst>
-      <p:bldP spid="2" grpId="0"/>
+      <p:bldP spid="6" grpId="0"/>
     </p:bldLst>
   </p:timing>
 </p:sld>
@@ -20070,7 +21670,7 @@
                             </p:stCondLst>
                             <p:childTnLst>
                               <p:par>
-                                <p:cTn id="5" presetID="10" presetClass="entr" presetSubtype="0" fill="hold" grpId="0" nodeType="clickEffect">
+                                <p:cTn id="5" presetID="1" presetClass="entr" presetSubtype="0" fill="hold" nodeType="clickEffect">
                                   <p:stCondLst>
                                     <p:cond delay="0"/>
                                   </p:stCondLst>
@@ -20078,59 +21678,6 @@
                                     <p:set>
                                       <p:cBhvr>
                                         <p:cTn id="6" dur="1" fill="hold">
-                                          <p:stCondLst>
-                                            <p:cond delay="0"/>
-                                          </p:stCondLst>
-                                        </p:cTn>
-                                        <p:tgtEl>
-                                          <p:spTgt spid="2"/>
-                                        </p:tgtEl>
-                                        <p:attrNameLst>
-                                          <p:attrName>style.visibility</p:attrName>
-                                        </p:attrNameLst>
-                                      </p:cBhvr>
-                                      <p:to>
-                                        <p:strVal val="visible"/>
-                                      </p:to>
-                                    </p:set>
-                                    <p:animEffect transition="in" filter="fade">
-                                      <p:cBhvr>
-                                        <p:cTn id="7" dur="500"/>
-                                        <p:tgtEl>
-                                          <p:spTgt spid="2"/>
-                                        </p:tgtEl>
-                                      </p:cBhvr>
-                                    </p:animEffect>
-                                  </p:childTnLst>
-                                </p:cTn>
-                              </p:par>
-                            </p:childTnLst>
-                          </p:cTn>
-                        </p:par>
-                      </p:childTnLst>
-                    </p:cTn>
-                  </p:par>
-                  <p:par>
-                    <p:cTn id="8" fill="hold">
-                      <p:stCondLst>
-                        <p:cond delay="indefinite"/>
-                      </p:stCondLst>
-                      <p:childTnLst>
-                        <p:par>
-                          <p:cTn id="9" fill="hold">
-                            <p:stCondLst>
-                              <p:cond delay="0"/>
-                            </p:stCondLst>
-                            <p:childTnLst>
-                              <p:par>
-                                <p:cTn id="10" presetID="10" presetClass="entr" presetSubtype="0" fill="hold" nodeType="clickEffect">
-                                  <p:stCondLst>
-                                    <p:cond delay="1500"/>
-                                  </p:stCondLst>
-                                  <p:childTnLst>
-                                    <p:set>
-                                      <p:cBhvr>
-                                        <p:cTn id="11" dur="1" fill="hold">
                                           <p:stCondLst>
                                             <p:cond delay="0"/>
                                           </p:stCondLst>
@@ -20146,14 +21693,33 @@
                                         <p:strVal val="visible"/>
                                       </p:to>
                                     </p:set>
-                                    <p:animEffect transition="in" filter="fade">
+                                  </p:childTnLst>
+                                </p:cTn>
+                              </p:par>
+                              <p:par>
+                                <p:cTn id="7" presetID="1" presetClass="entr" presetSubtype="0" fill="hold" grpId="0" nodeType="withEffect">
+                                  <p:stCondLst>
+                                    <p:cond delay="0"/>
+                                  </p:stCondLst>
+                                  <p:childTnLst>
+                                    <p:set>
                                       <p:cBhvr>
-                                        <p:cTn id="12" dur="500"/>
+                                        <p:cTn id="8" dur="1" fill="hold">
+                                          <p:stCondLst>
+                                            <p:cond delay="0"/>
+                                          </p:stCondLst>
+                                        </p:cTn>
                                         <p:tgtEl>
-                                          <p:spTgt spid="3"/>
+                                          <p:spTgt spid="5"/>
                                         </p:tgtEl>
+                                        <p:attrNameLst>
+                                          <p:attrName>style.visibility</p:attrName>
+                                        </p:attrNameLst>
                                       </p:cBhvr>
-                                    </p:animEffect>
+                                      <p:to>
+                                        <p:strVal val="visible"/>
+                                      </p:to>
+                                    </p:set>
                                   </p:childTnLst>
                                 </p:cTn>
                               </p:par>
@@ -20185,7 +21751,7 @@
       </p:par>
     </p:tnLst>
     <p:bldLst>
-      <p:bldP spid="2" grpId="0"/>
+      <p:bldP spid="5" grpId="0"/>
     </p:bldLst>
   </p:timing>
 </p:sld>

--- a/Sprint-1.pptx
+++ b/Sprint-1.pptx
@@ -12129,15 +12129,33 @@
                                   </p:childTnLst>
                                 </p:cTn>
                               </p:par>
+                            </p:childTnLst>
+                          </p:cTn>
+                        </p:par>
+                      </p:childTnLst>
+                    </p:cTn>
+                  </p:par>
+                  <p:par>
+                    <p:cTn id="8" fill="hold">
+                      <p:stCondLst>
+                        <p:cond delay="indefinite"/>
+                      </p:stCondLst>
+                      <p:childTnLst>
+                        <p:par>
+                          <p:cTn id="9" fill="hold">
+                            <p:stCondLst>
+                              <p:cond delay="0"/>
+                            </p:stCondLst>
+                            <p:childTnLst>
                               <p:par>
-                                <p:cTn id="8" presetID="10" presetClass="entr" presetSubtype="0" fill="hold" nodeType="withEffect">
+                                <p:cTn id="10" presetID="1" presetClass="entr" presetSubtype="0" fill="hold" nodeType="clickEffect">
                                   <p:stCondLst>
                                     <p:cond delay="0"/>
                                   </p:stCondLst>
                                   <p:childTnLst>
                                     <p:set>
                                       <p:cBhvr>
-                                        <p:cTn id="9" dur="1" fill="hold">
+                                        <p:cTn id="11" dur="1" fill="hold">
                                           <p:stCondLst>
                                             <p:cond delay="0"/>
                                           </p:stCondLst>
@@ -12157,30 +12175,36 @@
                                         <p:strVal val="visible"/>
                                       </p:to>
                                     </p:set>
-                                    <p:animEffect transition="in" filter="fade">
-                                      <p:cBhvr>
-                                        <p:cTn id="10" dur="500"/>
-                                        <p:tgtEl>
-                                          <p:spTgt spid="3">
-                                            <p:txEl>
-                                              <p:pRg st="2" end="2"/>
-                                            </p:txEl>
-                                          </p:spTgt>
-                                        </p:tgtEl>
-                                      </p:cBhvr>
-                                    </p:animEffect>
                                   </p:childTnLst>
                                 </p:cTn>
                               </p:par>
+                            </p:childTnLst>
+                          </p:cTn>
+                        </p:par>
+                      </p:childTnLst>
+                    </p:cTn>
+                  </p:par>
+                  <p:par>
+                    <p:cTn id="12" fill="hold">
+                      <p:stCondLst>
+                        <p:cond delay="indefinite"/>
+                      </p:stCondLst>
+                      <p:childTnLst>
+                        <p:par>
+                          <p:cTn id="13" fill="hold">
+                            <p:stCondLst>
+                              <p:cond delay="0"/>
+                            </p:stCondLst>
+                            <p:childTnLst>
                               <p:par>
-                                <p:cTn id="11" presetID="10" presetClass="entr" presetSubtype="0" fill="hold" nodeType="withEffect">
+                                <p:cTn id="14" presetID="1" presetClass="entr" presetSubtype="0" fill="hold" nodeType="clickEffect">
                                   <p:stCondLst>
                                     <p:cond delay="0"/>
                                   </p:stCondLst>
                                   <p:childTnLst>
                                     <p:set>
                                       <p:cBhvr>
-                                        <p:cTn id="12" dur="1" fill="hold">
+                                        <p:cTn id="15" dur="1" fill="hold">
                                           <p:stCondLst>
                                             <p:cond delay="0"/>
                                           </p:stCondLst>
@@ -12200,18 +12224,6 @@
                                         <p:strVal val="visible"/>
                                       </p:to>
                                     </p:set>
-                                    <p:animEffect transition="in" filter="fade">
-                                      <p:cBhvr>
-                                        <p:cTn id="13" dur="500"/>
-                                        <p:tgtEl>
-                                          <p:spTgt spid="3">
-                                            <p:txEl>
-                                              <p:pRg st="4" end="4"/>
-                                            </p:txEl>
-                                          </p:spTgt>
-                                        </p:tgtEl>
-                                      </p:cBhvr>
-                                    </p:animEffect>
                                   </p:childTnLst>
                                 </p:cTn>
                               </p:par>
@@ -12929,7 +12941,7 @@
         </p:nvSpPr>
         <p:spPr>
           <a:xfrm>
-            <a:off x="1724609" y="1866985"/>
+            <a:off x="1724609" y="1861047"/>
             <a:ext cx="9461134" cy="4991016"/>
           </a:xfrm>
           <a:prstGeom prst="rect">
@@ -13759,8 +13771,8 @@
         </p:nvCxnSpPr>
         <p:spPr>
           <a:xfrm flipH="1">
-            <a:off x="6529188" y="2104373"/>
-            <a:ext cx="42181" cy="4258849"/>
+            <a:off x="6454927" y="2745078"/>
+            <a:ext cx="29401" cy="3632971"/>
           </a:xfrm>
           <a:prstGeom prst="line">
             <a:avLst/>
@@ -13857,6 +13869,70 @@
           </a:p>
         </p:txBody>
       </p:sp>
+      <p:cxnSp>
+        <p:nvCxnSpPr>
+          <p:cNvPr id="4" name="Straight Connector 3"/>
+          <p:cNvCxnSpPr>
+            <a:stCxn id="38" idx="3"/>
+          </p:cNvCxnSpPr>
+          <p:nvPr/>
+        </p:nvCxnSpPr>
+        <p:spPr>
+          <a:xfrm flipV="1">
+            <a:off x="4419628" y="4383443"/>
+            <a:ext cx="508000" cy="4"/>
+          </a:xfrm>
+          <a:prstGeom prst="line">
+            <a:avLst/>
+          </a:prstGeom>
+        </p:spPr>
+        <p:style>
+          <a:lnRef idx="1">
+            <a:schemeClr val="accent1"/>
+          </a:lnRef>
+          <a:fillRef idx="0">
+            <a:schemeClr val="accent1"/>
+          </a:fillRef>
+          <a:effectRef idx="0">
+            <a:schemeClr val="accent1"/>
+          </a:effectRef>
+          <a:fontRef idx="minor">
+            <a:schemeClr val="tx1"/>
+          </a:fontRef>
+        </p:style>
+      </p:cxnSp>
+      <p:cxnSp>
+        <p:nvCxnSpPr>
+          <p:cNvPr id="6" name="Straight Connector 5"/>
+          <p:cNvCxnSpPr>
+            <a:stCxn id="41" idx="3"/>
+          </p:cNvCxnSpPr>
+          <p:nvPr/>
+        </p:nvCxnSpPr>
+        <p:spPr>
+          <a:xfrm flipV="1">
+            <a:off x="8130749" y="4383443"/>
+            <a:ext cx="341871" cy="4"/>
+          </a:xfrm>
+          <a:prstGeom prst="line">
+            <a:avLst/>
+          </a:prstGeom>
+        </p:spPr>
+        <p:style>
+          <a:lnRef idx="1">
+            <a:schemeClr val="accent1"/>
+          </a:lnRef>
+          <a:fillRef idx="0">
+            <a:schemeClr val="accent1"/>
+          </a:fillRef>
+          <a:effectRef idx="0">
+            <a:schemeClr val="accent1"/>
+          </a:effectRef>
+          <a:fontRef idx="minor">
+            <a:schemeClr val="tx1"/>
+          </a:fontRef>
+        </p:style>
+      </p:cxnSp>
     </p:spTree>
     <p:extLst>
       <p:ext uri="{BB962C8B-B14F-4D97-AF65-F5344CB8AC3E}">
@@ -13888,7 +13964,7 @@
                             </p:stCondLst>
                             <p:childTnLst>
                               <p:par>
-                                <p:cTn id="5" presetID="10" presetClass="entr" presetSubtype="0" fill="hold" grpId="0" nodeType="clickEffect">
+                                <p:cTn id="5" presetID="1" presetClass="entr" presetSubtype="0" fill="hold" grpId="0" nodeType="clickEffect">
                                   <p:stCondLst>
                                     <p:cond delay="0"/>
                                   </p:stCondLst>
@@ -13896,59 +13972,6 @@
                                     <p:set>
                                       <p:cBhvr>
                                         <p:cTn id="6" dur="1" fill="hold">
-                                          <p:stCondLst>
-                                            <p:cond delay="0"/>
-                                          </p:stCondLst>
-                                        </p:cTn>
-                                        <p:tgtEl>
-                                          <p:spTgt spid="2"/>
-                                        </p:tgtEl>
-                                        <p:attrNameLst>
-                                          <p:attrName>style.visibility</p:attrName>
-                                        </p:attrNameLst>
-                                      </p:cBhvr>
-                                      <p:to>
-                                        <p:strVal val="visible"/>
-                                      </p:to>
-                                    </p:set>
-                                    <p:animEffect transition="in" filter="fade">
-                                      <p:cBhvr>
-                                        <p:cTn id="7" dur="500"/>
-                                        <p:tgtEl>
-                                          <p:spTgt spid="2"/>
-                                        </p:tgtEl>
-                                      </p:cBhvr>
-                                    </p:animEffect>
-                                  </p:childTnLst>
-                                </p:cTn>
-                              </p:par>
-                            </p:childTnLst>
-                          </p:cTn>
-                        </p:par>
-                      </p:childTnLst>
-                    </p:cTn>
-                  </p:par>
-                  <p:par>
-                    <p:cTn id="8" fill="hold">
-                      <p:stCondLst>
-                        <p:cond delay="indefinite"/>
-                      </p:stCondLst>
-                      <p:childTnLst>
-                        <p:par>
-                          <p:cTn id="9" fill="hold">
-                            <p:stCondLst>
-                              <p:cond delay="0"/>
-                            </p:stCondLst>
-                            <p:childTnLst>
-                              <p:par>
-                                <p:cTn id="10" presetID="10" presetClass="entr" presetSubtype="0" fill="hold" grpId="0" nodeType="clickEffect">
-                                  <p:stCondLst>
-                                    <p:cond delay="500"/>
-                                  </p:stCondLst>
-                                  <p:childTnLst>
-                                    <p:set>
-                                      <p:cBhvr>
-                                        <p:cTn id="11" dur="1" fill="hold">
                                           <p:stCondLst>
                                             <p:cond delay="0"/>
                                           </p:stCondLst>
@@ -13964,14 +13987,681 @@
                                         <p:strVal val="visible"/>
                                       </p:to>
                                     </p:set>
-                                    <p:animEffect transition="in" filter="fade">
+                                  </p:childTnLst>
+                                </p:cTn>
+                              </p:par>
+                              <p:par>
+                                <p:cTn id="7" presetID="1" presetClass="entr" presetSubtype="0" fill="hold" grpId="0" nodeType="withEffect">
+                                  <p:stCondLst>
+                                    <p:cond delay="0"/>
+                                  </p:stCondLst>
+                                  <p:childTnLst>
+                                    <p:set>
                                       <p:cBhvr>
-                                        <p:cTn id="12" dur="500"/>
+                                        <p:cTn id="8" dur="1" fill="hold">
+                                          <p:stCondLst>
+                                            <p:cond delay="0"/>
+                                          </p:stCondLst>
+                                        </p:cTn>
                                         <p:tgtEl>
-                                          <p:spTgt spid="36"/>
+                                          <p:spTgt spid="37"/>
                                         </p:tgtEl>
+                                        <p:attrNameLst>
+                                          <p:attrName>style.visibility</p:attrName>
+                                        </p:attrNameLst>
                                       </p:cBhvr>
-                                    </p:animEffect>
+                                      <p:to>
+                                        <p:strVal val="visible"/>
+                                      </p:to>
+                                    </p:set>
+                                  </p:childTnLst>
+                                </p:cTn>
+                              </p:par>
+                              <p:par>
+                                <p:cTn id="9" presetID="1" presetClass="entr" presetSubtype="0" fill="hold" grpId="0" nodeType="withEffect">
+                                  <p:stCondLst>
+                                    <p:cond delay="0"/>
+                                  </p:stCondLst>
+                                  <p:childTnLst>
+                                    <p:set>
+                                      <p:cBhvr>
+                                        <p:cTn id="10" dur="1" fill="hold">
+                                          <p:stCondLst>
+                                            <p:cond delay="0"/>
+                                          </p:stCondLst>
+                                        </p:cTn>
+                                        <p:tgtEl>
+                                          <p:spTgt spid="38"/>
+                                        </p:tgtEl>
+                                        <p:attrNameLst>
+                                          <p:attrName>style.visibility</p:attrName>
+                                        </p:attrNameLst>
+                                      </p:cBhvr>
+                                      <p:to>
+                                        <p:strVal val="visible"/>
+                                      </p:to>
+                                    </p:set>
+                                  </p:childTnLst>
+                                </p:cTn>
+                              </p:par>
+                              <p:par>
+                                <p:cTn id="11" presetID="1" presetClass="entr" presetSubtype="0" fill="hold" grpId="0" nodeType="withEffect">
+                                  <p:stCondLst>
+                                    <p:cond delay="0"/>
+                                  </p:stCondLst>
+                                  <p:childTnLst>
+                                    <p:set>
+                                      <p:cBhvr>
+                                        <p:cTn id="12" dur="1" fill="hold">
+                                          <p:stCondLst>
+                                            <p:cond delay="0"/>
+                                          </p:stCondLst>
+                                        </p:cTn>
+                                        <p:tgtEl>
+                                          <p:spTgt spid="39"/>
+                                        </p:tgtEl>
+                                        <p:attrNameLst>
+                                          <p:attrName>style.visibility</p:attrName>
+                                        </p:attrNameLst>
+                                      </p:cBhvr>
+                                      <p:to>
+                                        <p:strVal val="visible"/>
+                                      </p:to>
+                                    </p:set>
+                                  </p:childTnLst>
+                                </p:cTn>
+                              </p:par>
+                              <p:par>
+                                <p:cTn id="13" presetID="1" presetClass="entr" presetSubtype="0" fill="hold" grpId="0" nodeType="withEffect">
+                                  <p:stCondLst>
+                                    <p:cond delay="0"/>
+                                  </p:stCondLst>
+                                  <p:childTnLst>
+                                    <p:set>
+                                      <p:cBhvr>
+                                        <p:cTn id="14" dur="1" fill="hold">
+                                          <p:stCondLst>
+                                            <p:cond delay="0"/>
+                                          </p:stCondLst>
+                                        </p:cTn>
+                                        <p:tgtEl>
+                                          <p:spTgt spid="40"/>
+                                        </p:tgtEl>
+                                        <p:attrNameLst>
+                                          <p:attrName>style.visibility</p:attrName>
+                                        </p:attrNameLst>
+                                      </p:cBhvr>
+                                      <p:to>
+                                        <p:strVal val="visible"/>
+                                      </p:to>
+                                    </p:set>
+                                  </p:childTnLst>
+                                </p:cTn>
+                              </p:par>
+                              <p:par>
+                                <p:cTn id="15" presetID="1" presetClass="entr" presetSubtype="0" fill="hold" grpId="0" nodeType="withEffect">
+                                  <p:stCondLst>
+                                    <p:cond delay="0"/>
+                                  </p:stCondLst>
+                                  <p:childTnLst>
+                                    <p:set>
+                                      <p:cBhvr>
+                                        <p:cTn id="16" dur="1" fill="hold">
+                                          <p:stCondLst>
+                                            <p:cond delay="0"/>
+                                          </p:stCondLst>
+                                        </p:cTn>
+                                        <p:tgtEl>
+                                          <p:spTgt spid="41"/>
+                                        </p:tgtEl>
+                                        <p:attrNameLst>
+                                          <p:attrName>style.visibility</p:attrName>
+                                        </p:attrNameLst>
+                                      </p:cBhvr>
+                                      <p:to>
+                                        <p:strVal val="visible"/>
+                                      </p:to>
+                                    </p:set>
+                                  </p:childTnLst>
+                                </p:cTn>
+                              </p:par>
+                              <p:par>
+                                <p:cTn id="17" presetID="1" presetClass="entr" presetSubtype="0" fill="hold" grpId="0" nodeType="withEffect">
+                                  <p:stCondLst>
+                                    <p:cond delay="0"/>
+                                  </p:stCondLst>
+                                  <p:childTnLst>
+                                    <p:set>
+                                      <p:cBhvr>
+                                        <p:cTn id="18" dur="1" fill="hold">
+                                          <p:stCondLst>
+                                            <p:cond delay="0"/>
+                                          </p:stCondLst>
+                                        </p:cTn>
+                                        <p:tgtEl>
+                                          <p:spTgt spid="42"/>
+                                        </p:tgtEl>
+                                        <p:attrNameLst>
+                                          <p:attrName>style.visibility</p:attrName>
+                                        </p:attrNameLst>
+                                      </p:cBhvr>
+                                      <p:to>
+                                        <p:strVal val="visible"/>
+                                      </p:to>
+                                    </p:set>
+                                  </p:childTnLst>
+                                </p:cTn>
+                              </p:par>
+                              <p:par>
+                                <p:cTn id="19" presetID="1" presetClass="entr" presetSubtype="0" fill="hold" nodeType="withEffect">
+                                  <p:stCondLst>
+                                    <p:cond delay="0"/>
+                                  </p:stCondLst>
+                                  <p:childTnLst>
+                                    <p:set>
+                                      <p:cBhvr>
+                                        <p:cTn id="20" dur="1" fill="hold">
+                                          <p:stCondLst>
+                                            <p:cond delay="0"/>
+                                          </p:stCondLst>
+                                        </p:cTn>
+                                        <p:tgtEl>
+                                          <p:spTgt spid="43"/>
+                                        </p:tgtEl>
+                                        <p:attrNameLst>
+                                          <p:attrName>style.visibility</p:attrName>
+                                        </p:attrNameLst>
+                                      </p:cBhvr>
+                                      <p:to>
+                                        <p:strVal val="visible"/>
+                                      </p:to>
+                                    </p:set>
+                                  </p:childTnLst>
+                                </p:cTn>
+                              </p:par>
+                              <p:par>
+                                <p:cTn id="21" presetID="1" presetClass="entr" presetSubtype="0" fill="hold" nodeType="withEffect">
+                                  <p:stCondLst>
+                                    <p:cond delay="0"/>
+                                  </p:stCondLst>
+                                  <p:childTnLst>
+                                    <p:set>
+                                      <p:cBhvr>
+                                        <p:cTn id="22" dur="1" fill="hold">
+                                          <p:stCondLst>
+                                            <p:cond delay="0"/>
+                                          </p:stCondLst>
+                                        </p:cTn>
+                                        <p:tgtEl>
+                                          <p:spTgt spid="44"/>
+                                        </p:tgtEl>
+                                        <p:attrNameLst>
+                                          <p:attrName>style.visibility</p:attrName>
+                                        </p:attrNameLst>
+                                      </p:cBhvr>
+                                      <p:to>
+                                        <p:strVal val="visible"/>
+                                      </p:to>
+                                    </p:set>
+                                  </p:childTnLst>
+                                </p:cTn>
+                              </p:par>
+                              <p:par>
+                                <p:cTn id="23" presetID="1" presetClass="entr" presetSubtype="0" fill="hold" nodeType="withEffect">
+                                  <p:stCondLst>
+                                    <p:cond delay="0"/>
+                                  </p:stCondLst>
+                                  <p:childTnLst>
+                                    <p:set>
+                                      <p:cBhvr>
+                                        <p:cTn id="24" dur="1" fill="hold">
+                                          <p:stCondLst>
+                                            <p:cond delay="0"/>
+                                          </p:stCondLst>
+                                        </p:cTn>
+                                        <p:tgtEl>
+                                          <p:spTgt spid="45"/>
+                                        </p:tgtEl>
+                                        <p:attrNameLst>
+                                          <p:attrName>style.visibility</p:attrName>
+                                        </p:attrNameLst>
+                                      </p:cBhvr>
+                                      <p:to>
+                                        <p:strVal val="visible"/>
+                                      </p:to>
+                                    </p:set>
+                                  </p:childTnLst>
+                                </p:cTn>
+                              </p:par>
+                              <p:par>
+                                <p:cTn id="25" presetID="1" presetClass="entr" presetSubtype="0" fill="hold" nodeType="withEffect">
+                                  <p:stCondLst>
+                                    <p:cond delay="0"/>
+                                  </p:stCondLst>
+                                  <p:childTnLst>
+                                    <p:set>
+                                      <p:cBhvr>
+                                        <p:cTn id="26" dur="1" fill="hold">
+                                          <p:stCondLst>
+                                            <p:cond delay="0"/>
+                                          </p:stCondLst>
+                                        </p:cTn>
+                                        <p:tgtEl>
+                                          <p:spTgt spid="46"/>
+                                        </p:tgtEl>
+                                        <p:attrNameLst>
+                                          <p:attrName>style.visibility</p:attrName>
+                                        </p:attrNameLst>
+                                      </p:cBhvr>
+                                      <p:to>
+                                        <p:strVal val="visible"/>
+                                      </p:to>
+                                    </p:set>
+                                  </p:childTnLst>
+                                </p:cTn>
+                              </p:par>
+                              <p:par>
+                                <p:cTn id="27" presetID="1" presetClass="entr" presetSubtype="0" fill="hold" nodeType="withEffect">
+                                  <p:stCondLst>
+                                    <p:cond delay="0"/>
+                                  </p:stCondLst>
+                                  <p:childTnLst>
+                                    <p:set>
+                                      <p:cBhvr>
+                                        <p:cTn id="28" dur="1" fill="hold">
+                                          <p:stCondLst>
+                                            <p:cond delay="0"/>
+                                          </p:stCondLst>
+                                        </p:cTn>
+                                        <p:tgtEl>
+                                          <p:spTgt spid="47"/>
+                                        </p:tgtEl>
+                                        <p:attrNameLst>
+                                          <p:attrName>style.visibility</p:attrName>
+                                        </p:attrNameLst>
+                                      </p:cBhvr>
+                                      <p:to>
+                                        <p:strVal val="visible"/>
+                                      </p:to>
+                                    </p:set>
+                                  </p:childTnLst>
+                                </p:cTn>
+                              </p:par>
+                              <p:par>
+                                <p:cTn id="29" presetID="1" presetClass="entr" presetSubtype="0" fill="hold" grpId="0" nodeType="withEffect">
+                                  <p:stCondLst>
+                                    <p:cond delay="0"/>
+                                  </p:stCondLst>
+                                  <p:childTnLst>
+                                    <p:set>
+                                      <p:cBhvr>
+                                        <p:cTn id="30" dur="1" fill="hold">
+                                          <p:stCondLst>
+                                            <p:cond delay="0"/>
+                                          </p:stCondLst>
+                                        </p:cTn>
+                                        <p:tgtEl>
+                                          <p:spTgt spid="48"/>
+                                        </p:tgtEl>
+                                        <p:attrNameLst>
+                                          <p:attrName>style.visibility</p:attrName>
+                                        </p:attrNameLst>
+                                      </p:cBhvr>
+                                      <p:to>
+                                        <p:strVal val="visible"/>
+                                      </p:to>
+                                    </p:set>
+                                  </p:childTnLst>
+                                </p:cTn>
+                              </p:par>
+                              <p:par>
+                                <p:cTn id="31" presetID="1" presetClass="entr" presetSubtype="0" fill="hold" nodeType="withEffect">
+                                  <p:stCondLst>
+                                    <p:cond delay="0"/>
+                                  </p:stCondLst>
+                                  <p:childTnLst>
+                                    <p:set>
+                                      <p:cBhvr>
+                                        <p:cTn id="32" dur="1" fill="hold">
+                                          <p:stCondLst>
+                                            <p:cond delay="0"/>
+                                          </p:stCondLst>
+                                        </p:cTn>
+                                        <p:tgtEl>
+                                          <p:spTgt spid="49"/>
+                                        </p:tgtEl>
+                                        <p:attrNameLst>
+                                          <p:attrName>style.visibility</p:attrName>
+                                        </p:attrNameLst>
+                                      </p:cBhvr>
+                                      <p:to>
+                                        <p:strVal val="visible"/>
+                                      </p:to>
+                                    </p:set>
+                                  </p:childTnLst>
+                                </p:cTn>
+                              </p:par>
+                              <p:par>
+                                <p:cTn id="33" presetID="1" presetClass="entr" presetSubtype="0" fill="hold" nodeType="withEffect">
+                                  <p:stCondLst>
+                                    <p:cond delay="0"/>
+                                  </p:stCondLst>
+                                  <p:childTnLst>
+                                    <p:set>
+                                      <p:cBhvr>
+                                        <p:cTn id="34" dur="1" fill="hold">
+                                          <p:stCondLst>
+                                            <p:cond delay="0"/>
+                                          </p:stCondLst>
+                                        </p:cTn>
+                                        <p:tgtEl>
+                                          <p:spTgt spid="50"/>
+                                        </p:tgtEl>
+                                        <p:attrNameLst>
+                                          <p:attrName>style.visibility</p:attrName>
+                                        </p:attrNameLst>
+                                      </p:cBhvr>
+                                      <p:to>
+                                        <p:strVal val="visible"/>
+                                      </p:to>
+                                    </p:set>
+                                  </p:childTnLst>
+                                </p:cTn>
+                              </p:par>
+                              <p:par>
+                                <p:cTn id="35" presetID="1" presetClass="entr" presetSubtype="0" fill="hold" grpId="0" nodeType="withEffect">
+                                  <p:stCondLst>
+                                    <p:cond delay="0"/>
+                                  </p:stCondLst>
+                                  <p:childTnLst>
+                                    <p:set>
+                                      <p:cBhvr>
+                                        <p:cTn id="36" dur="1" fill="hold">
+                                          <p:stCondLst>
+                                            <p:cond delay="0"/>
+                                          </p:stCondLst>
+                                        </p:cTn>
+                                        <p:tgtEl>
+                                          <p:spTgt spid="52"/>
+                                        </p:tgtEl>
+                                        <p:attrNameLst>
+                                          <p:attrName>style.visibility</p:attrName>
+                                        </p:attrNameLst>
+                                      </p:cBhvr>
+                                      <p:to>
+                                        <p:strVal val="visible"/>
+                                      </p:to>
+                                    </p:set>
+                                  </p:childTnLst>
+                                </p:cTn>
+                              </p:par>
+                              <p:par>
+                                <p:cTn id="37" presetID="1" presetClass="entr" presetSubtype="0" fill="hold" nodeType="withEffect">
+                                  <p:stCondLst>
+                                    <p:cond delay="0"/>
+                                  </p:stCondLst>
+                                  <p:childTnLst>
+                                    <p:set>
+                                      <p:cBhvr>
+                                        <p:cTn id="38" dur="1" fill="hold">
+                                          <p:stCondLst>
+                                            <p:cond delay="0"/>
+                                          </p:stCondLst>
+                                        </p:cTn>
+                                        <p:tgtEl>
+                                          <p:spTgt spid="53"/>
+                                        </p:tgtEl>
+                                        <p:attrNameLst>
+                                          <p:attrName>style.visibility</p:attrName>
+                                        </p:attrNameLst>
+                                      </p:cBhvr>
+                                      <p:to>
+                                        <p:strVal val="visible"/>
+                                      </p:to>
+                                    </p:set>
+                                  </p:childTnLst>
+                                </p:cTn>
+                              </p:par>
+                              <p:par>
+                                <p:cTn id="39" presetID="1" presetClass="entr" presetSubtype="0" fill="hold" grpId="0" nodeType="withEffect">
+                                  <p:stCondLst>
+                                    <p:cond delay="0"/>
+                                  </p:stCondLst>
+                                  <p:childTnLst>
+                                    <p:set>
+                                      <p:cBhvr>
+                                        <p:cTn id="40" dur="1" fill="hold">
+                                          <p:stCondLst>
+                                            <p:cond delay="0"/>
+                                          </p:stCondLst>
+                                        </p:cTn>
+                                        <p:tgtEl>
+                                          <p:spTgt spid="54"/>
+                                        </p:tgtEl>
+                                        <p:attrNameLst>
+                                          <p:attrName>style.visibility</p:attrName>
+                                        </p:attrNameLst>
+                                      </p:cBhvr>
+                                      <p:to>
+                                        <p:strVal val="visible"/>
+                                      </p:to>
+                                    </p:set>
+                                  </p:childTnLst>
+                                </p:cTn>
+                              </p:par>
+                              <p:par>
+                                <p:cTn id="41" presetID="1" presetClass="entr" presetSubtype="0" fill="hold" nodeType="withEffect">
+                                  <p:stCondLst>
+                                    <p:cond delay="0"/>
+                                  </p:stCondLst>
+                                  <p:childTnLst>
+                                    <p:set>
+                                      <p:cBhvr>
+                                        <p:cTn id="42" dur="1" fill="hold">
+                                          <p:stCondLst>
+                                            <p:cond delay="0"/>
+                                          </p:stCondLst>
+                                        </p:cTn>
+                                        <p:tgtEl>
+                                          <p:spTgt spid="55"/>
+                                        </p:tgtEl>
+                                        <p:attrNameLst>
+                                          <p:attrName>style.visibility</p:attrName>
+                                        </p:attrNameLst>
+                                      </p:cBhvr>
+                                      <p:to>
+                                        <p:strVal val="visible"/>
+                                      </p:to>
+                                    </p:set>
+                                  </p:childTnLst>
+                                </p:cTn>
+                              </p:par>
+                              <p:par>
+                                <p:cTn id="43" presetID="1" presetClass="entr" presetSubtype="0" fill="hold" nodeType="withEffect">
+                                  <p:stCondLst>
+                                    <p:cond delay="0"/>
+                                  </p:stCondLst>
+                                  <p:childTnLst>
+                                    <p:set>
+                                      <p:cBhvr>
+                                        <p:cTn id="44" dur="1" fill="hold">
+                                          <p:stCondLst>
+                                            <p:cond delay="0"/>
+                                          </p:stCondLst>
+                                        </p:cTn>
+                                        <p:tgtEl>
+                                          <p:spTgt spid="57"/>
+                                        </p:tgtEl>
+                                        <p:attrNameLst>
+                                          <p:attrName>style.visibility</p:attrName>
+                                        </p:attrNameLst>
+                                      </p:cBhvr>
+                                      <p:to>
+                                        <p:strVal val="visible"/>
+                                      </p:to>
+                                    </p:set>
+                                  </p:childTnLst>
+                                </p:cTn>
+                              </p:par>
+                              <p:par>
+                                <p:cTn id="45" presetID="1" presetClass="entr" presetSubtype="0" fill="hold" nodeType="withEffect">
+                                  <p:stCondLst>
+                                    <p:cond delay="0"/>
+                                  </p:stCondLst>
+                                  <p:childTnLst>
+                                    <p:set>
+                                      <p:cBhvr>
+                                        <p:cTn id="46" dur="1" fill="hold">
+                                          <p:stCondLst>
+                                            <p:cond delay="0"/>
+                                          </p:stCondLst>
+                                        </p:cTn>
+                                        <p:tgtEl>
+                                          <p:spTgt spid="60"/>
+                                        </p:tgtEl>
+                                        <p:attrNameLst>
+                                          <p:attrName>style.visibility</p:attrName>
+                                        </p:attrNameLst>
+                                      </p:cBhvr>
+                                      <p:to>
+                                        <p:strVal val="visible"/>
+                                      </p:to>
+                                    </p:set>
+                                  </p:childTnLst>
+                                </p:cTn>
+                              </p:par>
+                              <p:par>
+                                <p:cTn id="47" presetID="1" presetClass="entr" presetSubtype="0" fill="hold" nodeType="withEffect">
+                                  <p:stCondLst>
+                                    <p:cond delay="0"/>
+                                  </p:stCondLst>
+                                  <p:childTnLst>
+                                    <p:set>
+                                      <p:cBhvr>
+                                        <p:cTn id="48" dur="1" fill="hold">
+                                          <p:stCondLst>
+                                            <p:cond delay="0"/>
+                                          </p:stCondLst>
+                                        </p:cTn>
+                                        <p:tgtEl>
+                                          <p:spTgt spid="66"/>
+                                        </p:tgtEl>
+                                        <p:attrNameLst>
+                                          <p:attrName>style.visibility</p:attrName>
+                                        </p:attrNameLst>
+                                      </p:cBhvr>
+                                      <p:to>
+                                        <p:strVal val="visible"/>
+                                      </p:to>
+                                    </p:set>
+                                  </p:childTnLst>
+                                </p:cTn>
+                              </p:par>
+                              <p:par>
+                                <p:cTn id="49" presetID="1" presetClass="entr" presetSubtype="0" fill="hold" grpId="0" nodeType="withEffect">
+                                  <p:stCondLst>
+                                    <p:cond delay="0"/>
+                                  </p:stCondLst>
+                                  <p:childTnLst>
+                                    <p:set>
+                                      <p:cBhvr>
+                                        <p:cTn id="50" dur="1" fill="hold">
+                                          <p:stCondLst>
+                                            <p:cond delay="0"/>
+                                          </p:stCondLst>
+                                        </p:cTn>
+                                        <p:tgtEl>
+                                          <p:spTgt spid="81"/>
+                                        </p:tgtEl>
+                                        <p:attrNameLst>
+                                          <p:attrName>style.visibility</p:attrName>
+                                        </p:attrNameLst>
+                                      </p:cBhvr>
+                                      <p:to>
+                                        <p:strVal val="visible"/>
+                                      </p:to>
+                                    </p:set>
+                                  </p:childTnLst>
+                                </p:cTn>
+                              </p:par>
+                              <p:par>
+                                <p:cTn id="51" presetID="1" presetClass="entr" presetSubtype="0" fill="hold" grpId="0" nodeType="withEffect">
+                                  <p:stCondLst>
+                                    <p:cond delay="0"/>
+                                  </p:stCondLst>
+                                  <p:childTnLst>
+                                    <p:set>
+                                      <p:cBhvr>
+                                        <p:cTn id="52" dur="1" fill="hold">
+                                          <p:stCondLst>
+                                            <p:cond delay="0"/>
+                                          </p:stCondLst>
+                                        </p:cTn>
+                                        <p:tgtEl>
+                                          <p:spTgt spid="82"/>
+                                        </p:tgtEl>
+                                        <p:attrNameLst>
+                                          <p:attrName>style.visibility</p:attrName>
+                                        </p:attrNameLst>
+                                      </p:cBhvr>
+                                      <p:to>
+                                        <p:strVal val="visible"/>
+                                      </p:to>
+                                    </p:set>
+                                  </p:childTnLst>
+                                </p:cTn>
+                              </p:par>
+                              <p:par>
+                                <p:cTn id="53" presetID="1" presetClass="entr" presetSubtype="0" fill="hold" nodeType="withEffect">
+                                  <p:stCondLst>
+                                    <p:cond delay="0"/>
+                                  </p:stCondLst>
+                                  <p:childTnLst>
+                                    <p:set>
+                                      <p:cBhvr>
+                                        <p:cTn id="54" dur="1" fill="hold">
+                                          <p:stCondLst>
+                                            <p:cond delay="0"/>
+                                          </p:stCondLst>
+                                        </p:cTn>
+                                        <p:tgtEl>
+                                          <p:spTgt spid="4"/>
+                                        </p:tgtEl>
+                                        <p:attrNameLst>
+                                          <p:attrName>style.visibility</p:attrName>
+                                        </p:attrNameLst>
+                                      </p:cBhvr>
+                                      <p:to>
+                                        <p:strVal val="visible"/>
+                                      </p:to>
+                                    </p:set>
+                                  </p:childTnLst>
+                                </p:cTn>
+                              </p:par>
+                              <p:par>
+                                <p:cTn id="55" presetID="1" presetClass="entr" presetSubtype="0" fill="hold" nodeType="withEffect">
+                                  <p:stCondLst>
+                                    <p:cond delay="0"/>
+                                  </p:stCondLst>
+                                  <p:childTnLst>
+                                    <p:set>
+                                      <p:cBhvr>
+                                        <p:cTn id="56" dur="1" fill="hold">
+                                          <p:stCondLst>
+                                            <p:cond delay="0"/>
+                                          </p:stCondLst>
+                                        </p:cTn>
+                                        <p:tgtEl>
+                                          <p:spTgt spid="6"/>
+                                        </p:tgtEl>
+                                        <p:attrNameLst>
+                                          <p:attrName>style.visibility</p:attrName>
+                                        </p:attrNameLst>
+                                      </p:cBhvr>
+                                      <p:to>
+                                        <p:strVal val="visible"/>
+                                      </p:to>
+                                    </p:set>
                                   </p:childTnLst>
                                 </p:cTn>
                               </p:par>
@@ -14003,8 +14693,18 @@
       </p:par>
     </p:tnLst>
     <p:bldLst>
-      <p:bldP spid="2" grpId="0"/>
       <p:bldP spid="36" grpId="0" animBg="1"/>
+      <p:bldP spid="37" grpId="0" animBg="1"/>
+      <p:bldP spid="38" grpId="0" animBg="1"/>
+      <p:bldP spid="39" grpId="0" animBg="1"/>
+      <p:bldP spid="40" grpId="0" animBg="1"/>
+      <p:bldP spid="41" grpId="0" animBg="1"/>
+      <p:bldP spid="42" grpId="0" animBg="1"/>
+      <p:bldP spid="48" grpId="0" animBg="1"/>
+      <p:bldP spid="52" grpId="0" animBg="1"/>
+      <p:bldP spid="54" grpId="0" animBg="1"/>
+      <p:bldP spid="81" grpId="0"/>
+      <p:bldP spid="82" grpId="0"/>
     </p:bldLst>
   </p:timing>
 </p:sld>

--- a/Sprint-1.pptx
+++ b/Sprint-1.pptx
@@ -12445,59 +12445,6 @@
                                           </p:stCondLst>
                                         </p:cTn>
                                         <p:tgtEl>
-                                          <p:spTgt spid="2"/>
-                                        </p:tgtEl>
-                                        <p:attrNameLst>
-                                          <p:attrName>style.visibility</p:attrName>
-                                        </p:attrNameLst>
-                                      </p:cBhvr>
-                                      <p:to>
-                                        <p:strVal val="visible"/>
-                                      </p:to>
-                                    </p:set>
-                                    <p:animEffect transition="in" filter="fade">
-                                      <p:cBhvr>
-                                        <p:cTn id="7" dur="500"/>
-                                        <p:tgtEl>
-                                          <p:spTgt spid="2"/>
-                                        </p:tgtEl>
-                                      </p:cBhvr>
-                                    </p:animEffect>
-                                  </p:childTnLst>
-                                </p:cTn>
-                              </p:par>
-                            </p:childTnLst>
-                          </p:cTn>
-                        </p:par>
-                      </p:childTnLst>
-                    </p:cTn>
-                  </p:par>
-                  <p:par>
-                    <p:cTn id="8" fill="hold">
-                      <p:stCondLst>
-                        <p:cond delay="indefinite"/>
-                      </p:stCondLst>
-                      <p:childTnLst>
-                        <p:par>
-                          <p:cTn id="9" fill="hold">
-                            <p:stCondLst>
-                              <p:cond delay="0"/>
-                            </p:stCondLst>
-                            <p:childTnLst>
-                              <p:par>
-                                <p:cTn id="10" presetID="10" presetClass="entr" presetSubtype="0" fill="hold" grpId="0" nodeType="clickEffect">
-                                  <p:stCondLst>
-                                    <p:cond delay="0"/>
-                                  </p:stCondLst>
-                                  <p:childTnLst>
-                                    <p:set>
-                                      <p:cBhvr>
-                                        <p:cTn id="11" dur="1" fill="hold">
-                                          <p:stCondLst>
-                                            <p:cond delay="0"/>
-                                          </p:stCondLst>
-                                        </p:cTn>
-                                        <p:tgtEl>
                                           <p:spTgt spid="3">
                                             <p:txEl>
                                               <p:pRg st="0" end="0"/>
@@ -12514,7 +12461,7 @@
                                     </p:set>
                                     <p:animEffect transition="in" filter="fade">
                                       <p:cBhvr>
-                                        <p:cTn id="12" dur="500"/>
+                                        <p:cTn id="7" dur="500"/>
                                         <p:tgtEl>
                                           <p:spTgt spid="3">
                                             <p:txEl>
@@ -12531,20 +12478,20 @@
                           </p:cTn>
                         </p:par>
                         <p:par>
-                          <p:cTn id="13" fill="hold">
+                          <p:cTn id="8" fill="hold">
                             <p:stCondLst>
                               <p:cond delay="500"/>
                             </p:stCondLst>
                             <p:childTnLst>
                               <p:par>
-                                <p:cTn id="14" presetID="10" presetClass="entr" presetSubtype="0" fill="hold" grpId="0" nodeType="afterEffect">
+                                <p:cTn id="9" presetID="10" presetClass="entr" presetSubtype="0" fill="hold" grpId="0" nodeType="afterEffect">
                                   <p:stCondLst>
                                     <p:cond delay="0"/>
                                   </p:stCondLst>
                                   <p:childTnLst>
                                     <p:set>
                                       <p:cBhvr>
-                                        <p:cTn id="15" dur="1" fill="hold">
+                                        <p:cTn id="10" dur="1" fill="hold">
                                           <p:stCondLst>
                                             <p:cond delay="0"/>
                                           </p:stCondLst>
@@ -12566,7 +12513,7 @@
                                     </p:set>
                                     <p:animEffect transition="in" filter="fade">
                                       <p:cBhvr>
-                                        <p:cTn id="16" dur="500"/>
+                                        <p:cTn id="11" dur="500"/>
                                         <p:tgtEl>
                                           <p:spTgt spid="3">
                                             <p:txEl>
@@ -12583,20 +12530,20 @@
                           </p:cTn>
                         </p:par>
                         <p:par>
-                          <p:cTn id="17" fill="hold">
+                          <p:cTn id="12" fill="hold">
                             <p:stCondLst>
                               <p:cond delay="1000"/>
                             </p:stCondLst>
                             <p:childTnLst>
                               <p:par>
-                                <p:cTn id="18" presetID="10" presetClass="entr" presetSubtype="0" fill="hold" grpId="0" nodeType="afterEffect">
+                                <p:cTn id="13" presetID="10" presetClass="entr" presetSubtype="0" fill="hold" grpId="0" nodeType="afterEffect">
                                   <p:stCondLst>
                                     <p:cond delay="0"/>
                                   </p:stCondLst>
                                   <p:childTnLst>
                                     <p:set>
                                       <p:cBhvr>
-                                        <p:cTn id="19" dur="1" fill="hold">
+                                        <p:cTn id="14" dur="1" fill="hold">
                                           <p:stCondLst>
                                             <p:cond delay="0"/>
                                           </p:stCondLst>
@@ -12618,7 +12565,7 @@
                                     </p:set>
                                     <p:animEffect transition="in" filter="fade">
                                       <p:cBhvr>
-                                        <p:cTn id="20" dur="500"/>
+                                        <p:cTn id="15" dur="500"/>
                                         <p:tgtEl>
                                           <p:spTgt spid="3">
                                             <p:txEl>
@@ -12638,26 +12585,26 @@
                     </p:cTn>
                   </p:par>
                   <p:par>
-                    <p:cTn id="21" fill="hold">
+                    <p:cTn id="16" fill="hold">
                       <p:stCondLst>
                         <p:cond delay="indefinite"/>
                       </p:stCondLst>
                       <p:childTnLst>
                         <p:par>
-                          <p:cTn id="22" fill="hold">
+                          <p:cTn id="17" fill="hold">
                             <p:stCondLst>
                               <p:cond delay="0"/>
                             </p:stCondLst>
                             <p:childTnLst>
                               <p:par>
-                                <p:cTn id="23" presetID="10" presetClass="entr" presetSubtype="0" fill="hold" grpId="0" nodeType="clickEffect">
+                                <p:cTn id="18" presetID="10" presetClass="entr" presetSubtype="0" fill="hold" grpId="0" nodeType="clickEffect">
                                   <p:stCondLst>
                                     <p:cond delay="0"/>
                                   </p:stCondLst>
                                   <p:childTnLst>
                                     <p:set>
                                       <p:cBhvr>
-                                        <p:cTn id="24" dur="1" fill="hold">
+                                        <p:cTn id="19" dur="1" fill="hold">
                                           <p:stCondLst>
                                             <p:cond delay="0"/>
                                           </p:stCondLst>
@@ -12679,7 +12626,7 @@
                                     </p:set>
                                     <p:animEffect transition="in" filter="fade">
                                       <p:cBhvr>
-                                        <p:cTn id="25" dur="500"/>
+                                        <p:cTn id="20" dur="500"/>
                                         <p:tgtEl>
                                           <p:spTgt spid="3">
                                             <p:txEl>
@@ -12696,20 +12643,20 @@
                           </p:cTn>
                         </p:par>
                         <p:par>
-                          <p:cTn id="26" fill="hold">
+                          <p:cTn id="21" fill="hold">
                             <p:stCondLst>
                               <p:cond delay="500"/>
                             </p:stCondLst>
                             <p:childTnLst>
                               <p:par>
-                                <p:cTn id="27" presetID="10" presetClass="entr" presetSubtype="0" fill="hold" grpId="0" nodeType="afterEffect">
+                                <p:cTn id="22" presetID="10" presetClass="entr" presetSubtype="0" fill="hold" grpId="0" nodeType="afterEffect">
                                   <p:stCondLst>
                                     <p:cond delay="0"/>
                                   </p:stCondLst>
                                   <p:childTnLst>
                                     <p:set>
                                       <p:cBhvr>
-                                        <p:cTn id="28" dur="1" fill="hold">
+                                        <p:cTn id="23" dur="1" fill="hold">
                                           <p:stCondLst>
                                             <p:cond delay="0"/>
                                           </p:stCondLst>
@@ -12731,7 +12678,7 @@
                                     </p:set>
                                     <p:animEffect transition="in" filter="fade">
                                       <p:cBhvr>
-                                        <p:cTn id="29" dur="500"/>
+                                        <p:cTn id="24" dur="500"/>
                                         <p:tgtEl>
                                           <p:spTgt spid="3">
                                             <p:txEl>
@@ -12751,26 +12698,26 @@
                     </p:cTn>
                   </p:par>
                   <p:par>
-                    <p:cTn id="30" fill="hold">
+                    <p:cTn id="25" fill="hold">
                       <p:stCondLst>
                         <p:cond delay="indefinite"/>
                       </p:stCondLst>
                       <p:childTnLst>
                         <p:par>
-                          <p:cTn id="31" fill="hold">
+                          <p:cTn id="26" fill="hold">
                             <p:stCondLst>
                               <p:cond delay="0"/>
                             </p:stCondLst>
                             <p:childTnLst>
                               <p:par>
-                                <p:cTn id="32" presetID="10" presetClass="entr" presetSubtype="0" fill="hold" grpId="0" nodeType="clickEffect">
+                                <p:cTn id="27" presetID="10" presetClass="entr" presetSubtype="0" fill="hold" grpId="0" nodeType="clickEffect">
                                   <p:stCondLst>
                                     <p:cond delay="0"/>
                                   </p:stCondLst>
                                   <p:childTnLst>
                                     <p:set>
                                       <p:cBhvr>
-                                        <p:cTn id="33" dur="1" fill="hold">
+                                        <p:cTn id="28" dur="1" fill="hold">
                                           <p:stCondLst>
                                             <p:cond delay="0"/>
                                           </p:stCondLst>
@@ -12792,7 +12739,7 @@
                                     </p:set>
                                     <p:animEffect transition="in" filter="fade">
                                       <p:cBhvr>
-                                        <p:cTn id="34" dur="500"/>
+                                        <p:cTn id="29" dur="500"/>
                                         <p:tgtEl>
                                           <p:spTgt spid="3">
                                             <p:txEl>
@@ -12809,20 +12756,20 @@
                           </p:cTn>
                         </p:par>
                         <p:par>
-                          <p:cTn id="35" fill="hold">
+                          <p:cTn id="30" fill="hold">
                             <p:stCondLst>
                               <p:cond delay="500"/>
                             </p:stCondLst>
                             <p:childTnLst>
                               <p:par>
-                                <p:cTn id="36" presetID="10" presetClass="entr" presetSubtype="0" fill="hold" grpId="0" nodeType="afterEffect">
+                                <p:cTn id="31" presetID="10" presetClass="entr" presetSubtype="0" fill="hold" grpId="0" nodeType="afterEffect">
                                   <p:stCondLst>
                                     <p:cond delay="0"/>
                                   </p:stCondLst>
                                   <p:childTnLst>
                                     <p:set>
                                       <p:cBhvr>
-                                        <p:cTn id="37" dur="1" fill="hold">
+                                        <p:cTn id="32" dur="1" fill="hold">
                                           <p:stCondLst>
                                             <p:cond delay="0"/>
                                           </p:stCondLst>
@@ -12844,7 +12791,7 @@
                                     </p:set>
                                     <p:animEffect transition="in" filter="fade">
                                       <p:cBhvr>
-                                        <p:cTn id="38" dur="500"/>
+                                        <p:cTn id="33" dur="500"/>
                                         <p:tgtEl>
                                           <p:spTgt spid="3">
                                             <p:txEl>
@@ -12885,7 +12832,6 @@
       </p:par>
     </p:tnLst>
     <p:bldLst>
-      <p:bldP spid="2" grpId="0"/>
       <p:bldP spid="3" grpId="0" uiExpand="1" build="p"/>
     </p:bldLst>
   </p:timing>

--- a/Sprint-1.pptx
+++ b/Sprint-1.pptx
@@ -11458,6 +11458,71 @@
           </a:p>
         </p:txBody>
       </p:sp>
+      <p:cxnSp>
+        <p:nvCxnSpPr>
+          <p:cNvPr id="5" name="Straight Connector 4"/>
+          <p:cNvCxnSpPr>
+            <a:stCxn id="10" idx="3"/>
+            <a:endCxn id="18" idx="1"/>
+          </p:cNvCxnSpPr>
+          <p:nvPr/>
+        </p:nvCxnSpPr>
+        <p:spPr>
+          <a:xfrm flipV="1">
+            <a:off x="4927628" y="4383444"/>
+            <a:ext cx="508000" cy="3"/>
+          </a:xfrm>
+          <a:prstGeom prst="line">
+            <a:avLst/>
+          </a:prstGeom>
+        </p:spPr>
+        <p:style>
+          <a:lnRef idx="1">
+            <a:schemeClr val="dk1"/>
+          </a:lnRef>
+          <a:fillRef idx="0">
+            <a:schemeClr val="dk1"/>
+          </a:fillRef>
+          <a:effectRef idx="0">
+            <a:schemeClr val="dk1"/>
+          </a:effectRef>
+          <a:fontRef idx="minor">
+            <a:schemeClr val="tx1"/>
+          </a:fontRef>
+        </p:style>
+      </p:cxnSp>
+      <p:cxnSp>
+        <p:nvCxnSpPr>
+          <p:cNvPr id="7" name="Straight Connector 6"/>
+          <p:cNvCxnSpPr>
+            <a:stCxn id="18" idx="3"/>
+          </p:cNvCxnSpPr>
+          <p:nvPr/>
+        </p:nvCxnSpPr>
+        <p:spPr>
+          <a:xfrm>
+            <a:off x="6754290" y="4383444"/>
+            <a:ext cx="565797" cy="0"/>
+          </a:xfrm>
+          <a:prstGeom prst="line">
+            <a:avLst/>
+          </a:prstGeom>
+        </p:spPr>
+        <p:style>
+          <a:lnRef idx="1">
+            <a:schemeClr val="dk1"/>
+          </a:lnRef>
+          <a:fillRef idx="0">
+            <a:schemeClr val="dk1"/>
+          </a:fillRef>
+          <a:effectRef idx="0">
+            <a:schemeClr val="dk1"/>
+          </a:effectRef>
+          <a:fontRef idx="minor">
+            <a:schemeClr val="tx1"/>
+          </a:fontRef>
+        </p:style>
+      </p:cxnSp>
     </p:spTree>
     <p:extLst>
       <p:ext uri="{BB962C8B-B14F-4D97-AF65-F5344CB8AC3E}">

--- a/Sprint-1.pptx
+++ b/Sprint-1.pptx
@@ -13774,36 +13774,6 @@
           </a:fontRef>
         </p:style>
       </p:cxnSp>
-      <p:cxnSp>
-        <p:nvCxnSpPr>
-          <p:cNvPr id="66" name="Straight Connector 65"/>
-          <p:cNvCxnSpPr/>
-          <p:nvPr/>
-        </p:nvCxnSpPr>
-        <p:spPr>
-          <a:xfrm flipH="1">
-            <a:off x="6454927" y="2745078"/>
-            <a:ext cx="29401" cy="3632971"/>
-          </a:xfrm>
-          <a:prstGeom prst="line">
-            <a:avLst/>
-          </a:prstGeom>
-        </p:spPr>
-        <p:style>
-          <a:lnRef idx="2">
-            <a:schemeClr val="accent2"/>
-          </a:lnRef>
-          <a:fillRef idx="0">
-            <a:schemeClr val="accent2"/>
-          </a:fillRef>
-          <a:effectRef idx="1">
-            <a:schemeClr val="accent2"/>
-          </a:effectRef>
-          <a:fontRef idx="minor">
-            <a:schemeClr val="tx1"/>
-          </a:fontRef>
-        </p:style>
-      </p:cxnSp>
       <p:sp>
         <p:nvSpPr>
           <p:cNvPr id="81" name="TextBox 80"/>
@@ -14542,7 +14512,7 @@
                                 </p:cTn>
                               </p:par>
                               <p:par>
-                                <p:cTn id="47" presetID="1" presetClass="entr" presetSubtype="0" fill="hold" nodeType="withEffect">
+                                <p:cTn id="47" presetID="1" presetClass="entr" presetSubtype="0" fill="hold" grpId="0" nodeType="withEffect">
                                   <p:stCondLst>
                                     <p:cond delay="0"/>
                                   </p:stCondLst>
@@ -14555,7 +14525,7 @@
                                           </p:stCondLst>
                                         </p:cTn>
                                         <p:tgtEl>
-                                          <p:spTgt spid="66"/>
+                                          <p:spTgt spid="81"/>
                                         </p:tgtEl>
                                         <p:attrNameLst>
                                           <p:attrName>style.visibility</p:attrName>
@@ -14582,7 +14552,7 @@
                                           </p:stCondLst>
                                         </p:cTn>
                                         <p:tgtEl>
-                                          <p:spTgt spid="81"/>
+                                          <p:spTgt spid="82"/>
                                         </p:tgtEl>
                                         <p:attrNameLst>
                                           <p:attrName>style.visibility</p:attrName>
@@ -14596,7 +14566,7 @@
                                 </p:cTn>
                               </p:par>
                               <p:par>
-                                <p:cTn id="51" presetID="1" presetClass="entr" presetSubtype="0" fill="hold" grpId="0" nodeType="withEffect">
+                                <p:cTn id="51" presetID="1" presetClass="entr" presetSubtype="0" fill="hold" nodeType="withEffect">
                                   <p:stCondLst>
                                     <p:cond delay="0"/>
                                   </p:stCondLst>
@@ -14609,7 +14579,7 @@
                                           </p:stCondLst>
                                         </p:cTn>
                                         <p:tgtEl>
-                                          <p:spTgt spid="82"/>
+                                          <p:spTgt spid="4"/>
                                         </p:tgtEl>
                                         <p:attrNameLst>
                                           <p:attrName>style.visibility</p:attrName>
@@ -14631,33 +14601,6 @@
                                     <p:set>
                                       <p:cBhvr>
                                         <p:cTn id="54" dur="1" fill="hold">
-                                          <p:stCondLst>
-                                            <p:cond delay="0"/>
-                                          </p:stCondLst>
-                                        </p:cTn>
-                                        <p:tgtEl>
-                                          <p:spTgt spid="4"/>
-                                        </p:tgtEl>
-                                        <p:attrNameLst>
-                                          <p:attrName>style.visibility</p:attrName>
-                                        </p:attrNameLst>
-                                      </p:cBhvr>
-                                      <p:to>
-                                        <p:strVal val="visible"/>
-                                      </p:to>
-                                    </p:set>
-                                  </p:childTnLst>
-                                </p:cTn>
-                              </p:par>
-                              <p:par>
-                                <p:cTn id="55" presetID="1" presetClass="entr" presetSubtype="0" fill="hold" nodeType="withEffect">
-                                  <p:stCondLst>
-                                    <p:cond delay="0"/>
-                                  </p:stCondLst>
-                                  <p:childTnLst>
-                                    <p:set>
-                                      <p:cBhvr>
-                                        <p:cTn id="56" dur="1" fill="hold">
                                           <p:stCondLst>
                                             <p:cond delay="0"/>
                                           </p:stCondLst>
@@ -19331,6 +19274,70 @@
           </a:p>
         </p:txBody>
       </p:sp>
+      <p:cxnSp>
+        <p:nvCxnSpPr>
+          <p:cNvPr id="4" name="Straight Connector 3"/>
+          <p:cNvCxnSpPr>
+            <a:stCxn id="47" idx="3"/>
+          </p:cNvCxnSpPr>
+          <p:nvPr/>
+        </p:nvCxnSpPr>
+        <p:spPr>
+          <a:xfrm flipV="1">
+            <a:off x="2725019" y="5079304"/>
+            <a:ext cx="508956" cy="7291"/>
+          </a:xfrm>
+          <a:prstGeom prst="line">
+            <a:avLst/>
+          </a:prstGeom>
+        </p:spPr>
+        <p:style>
+          <a:lnRef idx="1">
+            <a:schemeClr val="dk1"/>
+          </a:lnRef>
+          <a:fillRef idx="0">
+            <a:schemeClr val="dk1"/>
+          </a:fillRef>
+          <a:effectRef idx="0">
+            <a:schemeClr val="dk1"/>
+          </a:effectRef>
+          <a:fontRef idx="minor">
+            <a:schemeClr val="tx1"/>
+          </a:fontRef>
+        </p:style>
+      </p:cxnSp>
+      <p:cxnSp>
+        <p:nvCxnSpPr>
+          <p:cNvPr id="7" name="Straight Connector 6"/>
+          <p:cNvCxnSpPr>
+            <a:stCxn id="70" idx="3"/>
+          </p:cNvCxnSpPr>
+          <p:nvPr/>
+        </p:nvCxnSpPr>
+        <p:spPr>
+          <a:xfrm flipV="1">
+            <a:off x="8910636" y="5079304"/>
+            <a:ext cx="508686" cy="7291"/>
+          </a:xfrm>
+          <a:prstGeom prst="line">
+            <a:avLst/>
+          </a:prstGeom>
+        </p:spPr>
+        <p:style>
+          <a:lnRef idx="1">
+            <a:schemeClr val="dk1"/>
+          </a:lnRef>
+          <a:fillRef idx="0">
+            <a:schemeClr val="dk1"/>
+          </a:fillRef>
+          <a:effectRef idx="0">
+            <a:schemeClr val="dk1"/>
+          </a:effectRef>
+          <a:fontRef idx="minor">
+            <a:schemeClr val="tx1"/>
+          </a:fontRef>
+        </p:style>
+      </p:cxnSp>
     </p:spTree>
     <p:extLst>
       <p:ext uri="{BB962C8B-B14F-4D97-AF65-F5344CB8AC3E}">
